--- a/doc/15745poster.pptx
+++ b/doc/15745poster.pptx
@@ -1,6 +1,6 @@
 
 <file path=ppt/presentation.xml><?xml version="1.0" encoding="utf-8"?>
-<p:presentation xmlns:a="http://schemas.openxmlformats.org/drawingml/2006/main" xmlns:r="http://schemas.openxmlformats.org/officeDocument/2006/relationships" xmlns:mc="http://schemas.openxmlformats.org/markup-compatibility/2006" xmlns:mv="urn:schemas-microsoft-com:mac:vml" xmlns:p="http://schemas.openxmlformats.org/presentationml/2006/main" mc:Ignorable="mv" mc:PreserveAttributes="mv:*" saveSubsetFonts="1" autoCompressPictures="0">
+<p:presentation xmlns:a="http://schemas.openxmlformats.org/drawingml/2006/main" xmlns:r="http://schemas.openxmlformats.org/officeDocument/2006/relationships" xmlns:p="http://schemas.openxmlformats.org/presentationml/2006/main" saveSubsetFonts="1" autoCompressPictures="0">
   <p:sldMasterIdLst>
     <p:sldMasterId id="2147483648" r:id="rId1"/>
   </p:sldMasterIdLst>
@@ -10,7 +10,7 @@
     <p:sldId id="258" r:id="rId4"/>
     <p:sldId id="260" r:id="rId5"/>
     <p:sldId id="262" r:id="rId6"/>
-    <p:sldId id="264" r:id="rId7"/>
+    <p:sldId id="266" r:id="rId7"/>
     <p:sldId id="263" r:id="rId8"/>
     <p:sldId id="265" r:id="rId9"/>
   </p:sldIdLst>
@@ -115,7 +115,7 @@
 </file>
 
 <file path=ppt/slideLayouts/slideLayout1.xml><?xml version="1.0" encoding="utf-8"?>
-<p:sldLayout xmlns:a="http://schemas.openxmlformats.org/drawingml/2006/main" xmlns:r="http://schemas.openxmlformats.org/officeDocument/2006/relationships" xmlns:mc="http://schemas.openxmlformats.org/markup-compatibility/2006" xmlns:mv="urn:schemas-microsoft-com:mac:vml" xmlns:p="http://schemas.openxmlformats.org/presentationml/2006/main" mc:Ignorable="mv" mc:PreserveAttributes="mv:*" type="title" preserve="1">
+<p:sldLayout xmlns:a="http://schemas.openxmlformats.org/drawingml/2006/main" xmlns:r="http://schemas.openxmlformats.org/officeDocument/2006/relationships" xmlns:p="http://schemas.openxmlformats.org/presentationml/2006/main" type="title" preserve="1">
   <p:cSld name="Title Slide">
     <p:spTree>
       <p:nvGrpSpPr>
@@ -296,7 +296,7 @@
             <a:fld id="{3E589C00-19D7-4C44-A3B1-AC795CC13521}" type="datetimeFigureOut">
               <a:rPr lang="en-US" smtClean="0"/>
               <a:pPr/>
-              <a:t>4/27/11</a:t>
+              <a:t>4/28/2011</a:t>
             </a:fld>
             <a:endParaRPr lang="en-US"/>
           </a:p>
@@ -354,7 +354,7 @@
 </file>
 
 <file path=ppt/slideLayouts/slideLayout10.xml><?xml version="1.0" encoding="utf-8"?>
-<p:sldLayout xmlns:a="http://schemas.openxmlformats.org/drawingml/2006/main" xmlns:r="http://schemas.openxmlformats.org/officeDocument/2006/relationships" xmlns:mc="http://schemas.openxmlformats.org/markup-compatibility/2006" xmlns:mv="urn:schemas-microsoft-com:mac:vml" xmlns:p="http://schemas.openxmlformats.org/presentationml/2006/main" mc:Ignorable="mv" mc:PreserveAttributes="mv:*" type="vertTx" preserve="1">
+<p:sldLayout xmlns:a="http://schemas.openxmlformats.org/drawingml/2006/main" xmlns:r="http://schemas.openxmlformats.org/officeDocument/2006/relationships" xmlns:p="http://schemas.openxmlformats.org/presentationml/2006/main" type="vertTx" preserve="1">
   <p:cSld name="Title and Vertical Text">
     <p:spTree>
       <p:nvGrpSpPr>
@@ -463,7 +463,7 @@
             <a:fld id="{3E589C00-19D7-4C44-A3B1-AC795CC13521}" type="datetimeFigureOut">
               <a:rPr lang="en-US" smtClean="0"/>
               <a:pPr/>
-              <a:t>4/27/11</a:t>
+              <a:t>4/28/2011</a:t>
             </a:fld>
             <a:endParaRPr lang="en-US"/>
           </a:p>
@@ -521,7 +521,7 @@
 </file>
 
 <file path=ppt/slideLayouts/slideLayout11.xml><?xml version="1.0" encoding="utf-8"?>
-<p:sldLayout xmlns:a="http://schemas.openxmlformats.org/drawingml/2006/main" xmlns:r="http://schemas.openxmlformats.org/officeDocument/2006/relationships" xmlns:mc="http://schemas.openxmlformats.org/markup-compatibility/2006" xmlns:mv="urn:schemas-microsoft-com:mac:vml" xmlns:p="http://schemas.openxmlformats.org/presentationml/2006/main" mc:Ignorable="mv" mc:PreserveAttributes="mv:*" type="vertTitleAndTx" preserve="1">
+<p:sldLayout xmlns:a="http://schemas.openxmlformats.org/drawingml/2006/main" xmlns:r="http://schemas.openxmlformats.org/officeDocument/2006/relationships" xmlns:p="http://schemas.openxmlformats.org/presentationml/2006/main" type="vertTitleAndTx" preserve="1">
   <p:cSld name="Vertical Title and Text">
     <p:spTree>
       <p:nvGrpSpPr>
@@ -640,7 +640,7 @@
             <a:fld id="{3E589C00-19D7-4C44-A3B1-AC795CC13521}" type="datetimeFigureOut">
               <a:rPr lang="en-US" smtClean="0"/>
               <a:pPr/>
-              <a:t>4/27/11</a:t>
+              <a:t>4/28/2011</a:t>
             </a:fld>
             <a:endParaRPr lang="en-US"/>
           </a:p>
@@ -698,7 +698,7 @@
 </file>
 
 <file path=ppt/slideLayouts/slideLayout2.xml><?xml version="1.0" encoding="utf-8"?>
-<p:sldLayout xmlns:a="http://schemas.openxmlformats.org/drawingml/2006/main" xmlns:r="http://schemas.openxmlformats.org/officeDocument/2006/relationships" xmlns:mc="http://schemas.openxmlformats.org/markup-compatibility/2006" xmlns:mv="urn:schemas-microsoft-com:mac:vml" xmlns:p="http://schemas.openxmlformats.org/presentationml/2006/main" mc:Ignorable="mv" mc:PreserveAttributes="mv:*" type="obj" preserve="1">
+<p:sldLayout xmlns:a="http://schemas.openxmlformats.org/drawingml/2006/main" xmlns:r="http://schemas.openxmlformats.org/officeDocument/2006/relationships" xmlns:p="http://schemas.openxmlformats.org/presentationml/2006/main" type="obj" preserve="1">
   <p:cSld name="Title and Content">
     <p:spTree>
       <p:nvGrpSpPr>
@@ -807,7 +807,7 @@
             <a:fld id="{3E589C00-19D7-4C44-A3B1-AC795CC13521}" type="datetimeFigureOut">
               <a:rPr lang="en-US" smtClean="0"/>
               <a:pPr/>
-              <a:t>4/27/11</a:t>
+              <a:t>4/28/2011</a:t>
             </a:fld>
             <a:endParaRPr lang="en-US"/>
           </a:p>
@@ -865,7 +865,7 @@
 </file>
 
 <file path=ppt/slideLayouts/slideLayout3.xml><?xml version="1.0" encoding="utf-8"?>
-<p:sldLayout xmlns:a="http://schemas.openxmlformats.org/drawingml/2006/main" xmlns:r="http://schemas.openxmlformats.org/officeDocument/2006/relationships" xmlns:mc="http://schemas.openxmlformats.org/markup-compatibility/2006" xmlns:mv="urn:schemas-microsoft-com:mac:vml" xmlns:p="http://schemas.openxmlformats.org/presentationml/2006/main" mc:Ignorable="mv" mc:PreserveAttributes="mv:*" type="secHead" preserve="1">
+<p:sldLayout xmlns:a="http://schemas.openxmlformats.org/drawingml/2006/main" xmlns:r="http://schemas.openxmlformats.org/officeDocument/2006/relationships" xmlns:p="http://schemas.openxmlformats.org/presentationml/2006/main" type="secHead" preserve="1">
   <p:cSld name="Section Header">
     <p:spTree>
       <p:nvGrpSpPr>
@@ -1050,7 +1050,7 @@
             <a:fld id="{3E589C00-19D7-4C44-A3B1-AC795CC13521}" type="datetimeFigureOut">
               <a:rPr lang="en-US" smtClean="0"/>
               <a:pPr/>
-              <a:t>4/27/11</a:t>
+              <a:t>4/28/2011</a:t>
             </a:fld>
             <a:endParaRPr lang="en-US"/>
           </a:p>
@@ -1108,7 +1108,7 @@
 </file>
 
 <file path=ppt/slideLayouts/slideLayout4.xml><?xml version="1.0" encoding="utf-8"?>
-<p:sldLayout xmlns:a="http://schemas.openxmlformats.org/drawingml/2006/main" xmlns:r="http://schemas.openxmlformats.org/officeDocument/2006/relationships" xmlns:mc="http://schemas.openxmlformats.org/markup-compatibility/2006" xmlns:mv="urn:schemas-microsoft-com:mac:vml" xmlns:p="http://schemas.openxmlformats.org/presentationml/2006/main" mc:Ignorable="mv" mc:PreserveAttributes="mv:*" type="twoObj" preserve="1">
+<p:sldLayout xmlns:a="http://schemas.openxmlformats.org/drawingml/2006/main" xmlns:r="http://schemas.openxmlformats.org/officeDocument/2006/relationships" xmlns:p="http://schemas.openxmlformats.org/presentationml/2006/main" type="twoObj" preserve="1">
   <p:cSld name="Two Content">
     <p:spTree>
       <p:nvGrpSpPr>
@@ -1335,7 +1335,7 @@
             <a:fld id="{3E589C00-19D7-4C44-A3B1-AC795CC13521}" type="datetimeFigureOut">
               <a:rPr lang="en-US" smtClean="0"/>
               <a:pPr/>
-              <a:t>4/27/11</a:t>
+              <a:t>4/28/2011</a:t>
             </a:fld>
             <a:endParaRPr lang="en-US"/>
           </a:p>
@@ -1393,7 +1393,7 @@
 </file>
 
 <file path=ppt/slideLayouts/slideLayout5.xml><?xml version="1.0" encoding="utf-8"?>
-<p:sldLayout xmlns:a="http://schemas.openxmlformats.org/drawingml/2006/main" xmlns:r="http://schemas.openxmlformats.org/officeDocument/2006/relationships" xmlns:mc="http://schemas.openxmlformats.org/markup-compatibility/2006" xmlns:mv="urn:schemas-microsoft-com:mac:vml" xmlns:p="http://schemas.openxmlformats.org/presentationml/2006/main" mc:Ignorable="mv" mc:PreserveAttributes="mv:*" type="twoTxTwoObj" preserve="1">
+<p:sldLayout xmlns:a="http://schemas.openxmlformats.org/drawingml/2006/main" xmlns:r="http://schemas.openxmlformats.org/officeDocument/2006/relationships" xmlns:p="http://schemas.openxmlformats.org/presentationml/2006/main" type="twoTxTwoObj" preserve="1">
   <p:cSld name="Comparison">
     <p:spTree>
       <p:nvGrpSpPr>
@@ -1754,7 +1754,7 @@
             <a:fld id="{3E589C00-19D7-4C44-A3B1-AC795CC13521}" type="datetimeFigureOut">
               <a:rPr lang="en-US" smtClean="0"/>
               <a:pPr/>
-              <a:t>4/27/11</a:t>
+              <a:t>4/28/2011</a:t>
             </a:fld>
             <a:endParaRPr lang="en-US"/>
           </a:p>
@@ -1812,7 +1812,7 @@
 </file>
 
 <file path=ppt/slideLayouts/slideLayout6.xml><?xml version="1.0" encoding="utf-8"?>
-<p:sldLayout xmlns:a="http://schemas.openxmlformats.org/drawingml/2006/main" xmlns:r="http://schemas.openxmlformats.org/officeDocument/2006/relationships" xmlns:mc="http://schemas.openxmlformats.org/markup-compatibility/2006" xmlns:mv="urn:schemas-microsoft-com:mac:vml" xmlns:p="http://schemas.openxmlformats.org/presentationml/2006/main" mc:Ignorable="mv" mc:PreserveAttributes="mv:*" type="titleOnly" preserve="1">
+<p:sldLayout xmlns:a="http://schemas.openxmlformats.org/drawingml/2006/main" xmlns:r="http://schemas.openxmlformats.org/officeDocument/2006/relationships" xmlns:p="http://schemas.openxmlformats.org/presentationml/2006/main" type="titleOnly" preserve="1">
   <p:cSld name="Title Only">
     <p:spTree>
       <p:nvGrpSpPr>
@@ -1869,7 +1869,7 @@
             <a:fld id="{3E589C00-19D7-4C44-A3B1-AC795CC13521}" type="datetimeFigureOut">
               <a:rPr lang="en-US" smtClean="0"/>
               <a:pPr/>
-              <a:t>4/27/11</a:t>
+              <a:t>4/28/2011</a:t>
             </a:fld>
             <a:endParaRPr lang="en-US"/>
           </a:p>
@@ -1927,7 +1927,7 @@
 </file>
 
 <file path=ppt/slideLayouts/slideLayout7.xml><?xml version="1.0" encoding="utf-8"?>
-<p:sldLayout xmlns:a="http://schemas.openxmlformats.org/drawingml/2006/main" xmlns:r="http://schemas.openxmlformats.org/officeDocument/2006/relationships" xmlns:mc="http://schemas.openxmlformats.org/markup-compatibility/2006" xmlns:mv="urn:schemas-microsoft-com:mac:vml" xmlns:p="http://schemas.openxmlformats.org/presentationml/2006/main" mc:Ignorable="mv" mc:PreserveAttributes="mv:*" type="blank" preserve="1">
+<p:sldLayout xmlns:a="http://schemas.openxmlformats.org/drawingml/2006/main" xmlns:r="http://schemas.openxmlformats.org/officeDocument/2006/relationships" xmlns:p="http://schemas.openxmlformats.org/presentationml/2006/main" type="blank" preserve="1">
   <p:cSld name="Blank">
     <p:spTree>
       <p:nvGrpSpPr>
@@ -1961,7 +1961,7 @@
             <a:fld id="{3E589C00-19D7-4C44-A3B1-AC795CC13521}" type="datetimeFigureOut">
               <a:rPr lang="en-US" smtClean="0"/>
               <a:pPr/>
-              <a:t>4/27/11</a:t>
+              <a:t>4/28/2011</a:t>
             </a:fld>
             <a:endParaRPr lang="en-US"/>
           </a:p>
@@ -2019,7 +2019,7 @@
 </file>
 
 <file path=ppt/slideLayouts/slideLayout8.xml><?xml version="1.0" encoding="utf-8"?>
-<p:sldLayout xmlns:a="http://schemas.openxmlformats.org/drawingml/2006/main" xmlns:r="http://schemas.openxmlformats.org/officeDocument/2006/relationships" xmlns:mc="http://schemas.openxmlformats.org/markup-compatibility/2006" xmlns:mv="urn:schemas-microsoft-com:mac:vml" xmlns:p="http://schemas.openxmlformats.org/presentationml/2006/main" mc:Ignorable="mv" mc:PreserveAttributes="mv:*" type="objTx" preserve="1">
+<p:sldLayout xmlns:a="http://schemas.openxmlformats.org/drawingml/2006/main" xmlns:r="http://schemas.openxmlformats.org/officeDocument/2006/relationships" xmlns:p="http://schemas.openxmlformats.org/presentationml/2006/main" type="objTx" preserve="1">
   <p:cSld name="Content with Caption">
     <p:spTree>
       <p:nvGrpSpPr>
@@ -2235,7 +2235,7 @@
             <a:fld id="{3E589C00-19D7-4C44-A3B1-AC795CC13521}" type="datetimeFigureOut">
               <a:rPr lang="en-US" smtClean="0"/>
               <a:pPr/>
-              <a:t>4/27/11</a:t>
+              <a:t>4/28/2011</a:t>
             </a:fld>
             <a:endParaRPr lang="en-US"/>
           </a:p>
@@ -2293,7 +2293,7 @@
 </file>
 
 <file path=ppt/slideLayouts/slideLayout9.xml><?xml version="1.0" encoding="utf-8"?>
-<p:sldLayout xmlns:a="http://schemas.openxmlformats.org/drawingml/2006/main" xmlns:r="http://schemas.openxmlformats.org/officeDocument/2006/relationships" xmlns:mc="http://schemas.openxmlformats.org/markup-compatibility/2006" xmlns:mv="urn:schemas-microsoft-com:mac:vml" xmlns:p="http://schemas.openxmlformats.org/presentationml/2006/main" mc:Ignorable="mv" mc:PreserveAttributes="mv:*" type="picTx" preserve="1">
+<p:sldLayout xmlns:a="http://schemas.openxmlformats.org/drawingml/2006/main" xmlns:r="http://schemas.openxmlformats.org/officeDocument/2006/relationships" xmlns:p="http://schemas.openxmlformats.org/presentationml/2006/main" type="picTx" preserve="1">
   <p:cSld name="Picture with Caption">
     <p:spTree>
       <p:nvGrpSpPr>
@@ -2485,7 +2485,7 @@
             <a:fld id="{3E589C00-19D7-4C44-A3B1-AC795CC13521}" type="datetimeFigureOut">
               <a:rPr lang="en-US" smtClean="0"/>
               <a:pPr/>
-              <a:t>4/27/11</a:t>
+              <a:t>4/28/2011</a:t>
             </a:fld>
             <a:endParaRPr lang="en-US"/>
           </a:p>
@@ -2543,7 +2543,7 @@
 </file>
 
 <file path=ppt/slideMasters/slideMaster1.xml><?xml version="1.0" encoding="utf-8"?>
-<p:sldMaster xmlns:a="http://schemas.openxmlformats.org/drawingml/2006/main" xmlns:r="http://schemas.openxmlformats.org/officeDocument/2006/relationships" xmlns:mc="http://schemas.openxmlformats.org/markup-compatibility/2006" xmlns:mv="urn:schemas-microsoft-com:mac:vml" xmlns:p="http://schemas.openxmlformats.org/presentationml/2006/main" mc:Ignorable="mv" mc:PreserveAttributes="mv:*">
+<p:sldMaster xmlns:a="http://schemas.openxmlformats.org/drawingml/2006/main" xmlns:r="http://schemas.openxmlformats.org/officeDocument/2006/relationships" xmlns:p="http://schemas.openxmlformats.org/presentationml/2006/main">
   <p:cSld>
     <p:bg>
       <p:bgRef idx="1001">
@@ -2695,7 +2695,7 @@
             <a:fld id="{3E589C00-19D7-4C44-A3B1-AC795CC13521}" type="datetimeFigureOut">
               <a:rPr lang="en-US" smtClean="0"/>
               <a:pPr/>
-              <a:t>4/27/11</a:t>
+              <a:t>4/28/2011</a:t>
             </a:fld>
             <a:endParaRPr lang="en-US"/>
           </a:p>
@@ -3050,7 +3050,7 @@
 </file>
 
 <file path=ppt/slides/slide1.xml><?xml version="1.0" encoding="utf-8"?>
-<p:sld xmlns:a="http://schemas.openxmlformats.org/drawingml/2006/main" xmlns:r="http://schemas.openxmlformats.org/officeDocument/2006/relationships" xmlns:mc="http://schemas.openxmlformats.org/markup-compatibility/2006" xmlns:mv="urn:schemas-microsoft-com:mac:vml" xmlns:p="http://schemas.openxmlformats.org/presentationml/2006/main" mc:Ignorable="mv" mc:PreserveAttributes="mv:*">
+<p:sld xmlns:a="http://schemas.openxmlformats.org/drawingml/2006/main" xmlns:r="http://schemas.openxmlformats.org/officeDocument/2006/relationships" xmlns:p="http://schemas.openxmlformats.org/presentationml/2006/main">
   <p:cSld>
     <p:spTree>
       <p:nvGrpSpPr>
@@ -3076,14 +3076,23 @@
             <p:ph type="ctrTitle"/>
           </p:nvPr>
         </p:nvSpPr>
-        <p:spPr/>
-        <p:txBody>
-          <a:bodyPr/>
-          <a:lstStyle/>
-          <a:p>
-            <a:r>
-              <a:rPr lang="en-US" dirty="0" smtClean="0"/>
-              <a:t>Decoupled Software Pipelining</a:t>
+        <p:spPr>
+          <a:xfrm>
+            <a:off x="685800" y="1461331"/>
+            <a:ext cx="7772400" cy="2139119"/>
+          </a:xfrm>
+        </p:spPr>
+        <p:txBody>
+          <a:bodyPr/>
+          <a:lstStyle/>
+          <a:p>
+            <a:r>
+              <a:rPr lang="en-US" dirty="0" smtClean="0"/>
+              <a:t>Decoupled </a:t>
+            </a:r>
+            <a:r>
+              <a:rPr lang="en-US" dirty="0" smtClean="0"/>
+              <a:t>Software Pipelining</a:t>
             </a:r>
             <a:endParaRPr lang="en-US" dirty="0"/>
           </a:p>
@@ -3117,6 +3126,49 @@
             <a:r>
               <a:rPr lang="en-US" dirty="0" smtClean="0"/>
               <a:t>Mark Hahnenberg</a:t>
+            </a:r>
+            <a:endParaRPr lang="en-US" dirty="0"/>
+          </a:p>
+        </p:txBody>
+      </p:sp>
+      <p:sp>
+        <p:nvSpPr>
+          <p:cNvPr id="4" name="TextBox 3"/>
+          <p:cNvSpPr txBox="1"/>
+          <p:nvPr/>
+        </p:nvSpPr>
+        <p:spPr>
+          <a:xfrm>
+            <a:off x="854579" y="5324030"/>
+            <a:ext cx="7603621" cy="369332"/>
+          </a:xfrm>
+          <a:prstGeom prst="rect">
+            <a:avLst/>
+          </a:prstGeom>
+          <a:noFill/>
+        </p:spPr>
+        <p:txBody>
+          <a:bodyPr wrap="square" rtlCol="0">
+            <a:spAutoFit/>
+          </a:bodyPr>
+          <a:lstStyle/>
+          <a:p>
+            <a:pPr algn="ctr"/>
+            <a:r>
+              <a:rPr lang="en-US" dirty="0" smtClean="0"/>
+              <a:t>Repository: </a:t>
+            </a:r>
+            <a:r>
+              <a:rPr lang="en-US" dirty="0" smtClean="0">
+                <a:hlinkClick r:id="rId2"/>
+              </a:rPr>
+              <a:t>http</a:t>
+            </a:r>
+            <a:r>
+              <a:rPr lang="en-US" dirty="0">
+                <a:hlinkClick r:id="rId2"/>
+              </a:rPr>
+              <a:t>://code.google.com/p/15745-project-dswp/</a:t>
             </a:r>
             <a:endParaRPr lang="en-US" dirty="0"/>
           </a:p>
@@ -3131,7 +3183,7 @@
 </file>
 
 <file path=ppt/slides/slide2.xml><?xml version="1.0" encoding="utf-8"?>
-<p:sld xmlns:a="http://schemas.openxmlformats.org/drawingml/2006/main" xmlns:r="http://schemas.openxmlformats.org/officeDocument/2006/relationships" xmlns:mc="http://schemas.openxmlformats.org/markup-compatibility/2006" xmlns:mv="urn:schemas-microsoft-com:mac:vml" xmlns:p="http://schemas.openxmlformats.org/presentationml/2006/main" mc:Ignorable="mv" mc:PreserveAttributes="mv:*">
+<p:sld xmlns:a="http://schemas.openxmlformats.org/drawingml/2006/main" xmlns:r="http://schemas.openxmlformats.org/officeDocument/2006/relationships" xmlns:p="http://schemas.openxmlformats.org/presentationml/2006/main">
   <p:cSld>
     <p:spTree>
       <p:nvGrpSpPr>
@@ -3187,15 +3239,7 @@
           <a:p>
             <a:r>
               <a:rPr lang="en-US" dirty="0" smtClean="0"/>
-              <a:t>Automatically extract</a:t>
-            </a:r>
-            <a:r>
-              <a:rPr lang="en-US" dirty="0" smtClean="0"/>
-              <a:t> general thread</a:t>
-            </a:r>
-            <a:r>
-              <a:rPr lang="en-US" dirty="0" smtClean="0"/>
-              <a:t>-level parallelism from loop bodies.</a:t>
+              <a:t>Automatically extract general thread-level parallelism from loop bodies.</a:t>
             </a:r>
           </a:p>
           <a:p>
@@ -3260,7 +3304,7 @@
 </file>
 
 <file path=ppt/slides/slide3.xml><?xml version="1.0" encoding="utf-8"?>
-<p:sld xmlns:a="http://schemas.openxmlformats.org/drawingml/2006/main" xmlns:r="http://schemas.openxmlformats.org/officeDocument/2006/relationships" xmlns:mc="http://schemas.openxmlformats.org/markup-compatibility/2006" xmlns:mv="urn:schemas-microsoft-com:mac:vml" xmlns:p="http://schemas.openxmlformats.org/presentationml/2006/main" mc:Ignorable="mv" mc:PreserveAttributes="mv:*">
+<p:sld xmlns:a="http://schemas.openxmlformats.org/drawingml/2006/main" xmlns:r="http://schemas.openxmlformats.org/officeDocument/2006/relationships" xmlns:p="http://schemas.openxmlformats.org/presentationml/2006/main">
   <p:cSld>
     <p:spTree>
       <p:nvGrpSpPr>
@@ -3330,11 +3374,7 @@
           <a:p>
             <a:r>
               <a:rPr lang="en-US" dirty="0" smtClean="0"/>
-              <a:t>Analyze the dependences in the program and build a </a:t>
-            </a:r>
-            <a:r>
-              <a:rPr lang="en-US" dirty="0" smtClean="0"/>
-              <a:t>graph, find </a:t>
+              <a:t>Analyze the dependences in the program and build a graph, find </a:t>
             </a:r>
             <a:r>
               <a:rPr lang="en-US" dirty="0" err="1" smtClean="0"/>
@@ -3344,18 +3384,29 @@
               <a:rPr lang="en-US" dirty="0" smtClean="0"/>
               <a:t>, coalesce into a DAG</a:t>
             </a:r>
+          </a:p>
+          <a:p>
             <a:endParaRPr lang="en-US" dirty="0" smtClean="0"/>
           </a:p>
           <a:p>
+            <a:r>
+              <a:rPr lang="en-US" dirty="0" smtClean="0"/>
+              <a:t>Dependence types</a:t>
+            </a:r>
+            <a:r>
+              <a:rPr lang="en-US" dirty="0" smtClean="0"/>
+              <a:t>:</a:t>
+            </a:r>
+          </a:p>
+          <a:p>
+            <a:pPr lvl="1"/>
+            <a:r>
+              <a:rPr lang="en-US" dirty="0" smtClean="0"/>
+              <a:t>Register</a:t>
+            </a:r>
             <a:endParaRPr lang="en-US" dirty="0" smtClean="0"/>
           </a:p>
           <a:p>
-            <a:r>
-              <a:rPr lang="en-US" dirty="0" smtClean="0"/>
-              <a:t>Dependence types:</a:t>
-            </a:r>
-          </a:p>
-          <a:p>
             <a:pPr lvl="1"/>
             <a:r>
               <a:rPr lang="en-US" dirty="0" smtClean="0"/>
@@ -3375,6 +3426,7 @@
               <a:rPr lang="en-US" dirty="0" smtClean="0"/>
               <a:t>Anti</a:t>
             </a:r>
+            <a:endParaRPr lang="en-US" dirty="0" smtClean="0"/>
           </a:p>
           <a:p>
             <a:pPr lvl="2"/>
@@ -3389,6 +3441,7 @@
               <a:rPr lang="en-US" dirty="0" smtClean="0"/>
               <a:t>Control</a:t>
             </a:r>
+            <a:endParaRPr lang="en-US" dirty="0" smtClean="0"/>
           </a:p>
           <a:p>
             <a:pPr lvl="2"/>
@@ -3446,8 +3499,8 @@
         </p:blipFill>
         <p:spPr>
           <a:xfrm>
-            <a:off x="5160712" y="2540000"/>
-            <a:ext cx="1424238" cy="3795887"/>
+            <a:off x="5623132" y="3792512"/>
+            <a:ext cx="1047275" cy="2791203"/>
           </a:xfrm>
           <a:prstGeom prst="rect">
             <a:avLst/>
@@ -3463,7 +3516,7 @@
 </file>
 
 <file path=ppt/slides/slide4.xml><?xml version="1.0" encoding="utf-8"?>
-<p:sld xmlns:a="http://schemas.openxmlformats.org/drawingml/2006/main" xmlns:r="http://schemas.openxmlformats.org/officeDocument/2006/relationships" xmlns:mc="http://schemas.openxmlformats.org/markup-compatibility/2006" xmlns:mv="urn:schemas-microsoft-com:mac:vml" xmlns:p="http://schemas.openxmlformats.org/presentationml/2006/main" mc:Ignorable="mv" mc:PreserveAttributes="mv:*">
+<p:sld xmlns:a="http://schemas.openxmlformats.org/drawingml/2006/main" xmlns:r="http://schemas.openxmlformats.org/officeDocument/2006/relationships" xmlns:p="http://schemas.openxmlformats.org/presentationml/2006/main">
   <p:cSld>
     <p:spTree>
       <p:nvGrpSpPr>
@@ -3517,56 +3570,78 @@
         <p:spPr/>
         <p:txBody>
           <a:bodyPr>
-            <a:normAutofit fontScale="92500"/>
+            <a:normAutofit lnSpcReduction="10000"/>
           </a:bodyPr>
           <a:lstStyle/>
           <a:p>
             <a:r>
               <a:rPr lang="en-US" dirty="0" smtClean="0"/>
-              <a:t>Partition the DAG into separate threads</a:t>
-            </a:r>
-          </a:p>
-          <a:p>
+              <a:t>Partition the DAG into separate </a:t>
+            </a:r>
+            <a:r>
+              <a:rPr lang="en-US" dirty="0" smtClean="0"/>
+              <a:t>threads</a:t>
+            </a:r>
+          </a:p>
+          <a:p>
+            <a:pPr lvl="1"/>
+            <a:r>
+              <a:rPr lang="en-US" dirty="0" smtClean="0"/>
+              <a:t>Minimize the total execution time</a:t>
+            </a:r>
+          </a:p>
+          <a:p>
+            <a:pPr lvl="1"/>
+            <a:r>
+              <a:rPr lang="en-US" dirty="0" smtClean="0"/>
+              <a:t>NP-Complete</a:t>
+            </a:r>
             <a:endParaRPr lang="en-US" dirty="0" smtClean="0"/>
           </a:p>
           <a:p>
-            <a:r>
-              <a:rPr lang="en-US" dirty="0" smtClean="0"/>
-              <a:t>Copy instructions from the partition into separate, newly created functions</a:t>
-            </a:r>
-          </a:p>
-          <a:p>
-            <a:endParaRPr lang="en-US" dirty="0" smtClean="0"/>
-          </a:p>
-          <a:p>
-            <a:r>
-              <a:rPr lang="en-US" dirty="0" smtClean="0"/>
-              <a:t>Initialize</a:t>
-            </a:r>
-            <a:r>
-              <a:rPr lang="en-US" dirty="0" smtClean="0"/>
-              <a:t> </a:t>
-            </a:r>
-            <a:r>
-              <a:rPr lang="en-US" dirty="0" smtClean="0"/>
-              <a:t>threads </a:t>
-            </a:r>
-            <a:r>
-              <a:rPr lang="en-US" dirty="0" smtClean="0"/>
-              <a:t>with</a:t>
-            </a:r>
-            <a:r>
-              <a:rPr lang="en-US" dirty="0" smtClean="0"/>
-              <a:t> new loop functions</a:t>
-            </a:r>
-          </a:p>
-          <a:p>
-            <a:endParaRPr lang="en-US" dirty="0" smtClean="0"/>
-          </a:p>
-          <a:p>
-            <a:r>
-              <a:rPr lang="en-US" dirty="0" smtClean="0"/>
-              <a:t>Main thread waits for auxiliary threads to finish</a:t>
+            <a:pPr lvl="1"/>
+            <a:r>
+              <a:rPr lang="en-US" dirty="0" smtClean="0"/>
+              <a:t>Using heuristic try to balance each thread </a:t>
+            </a:r>
+          </a:p>
+          <a:p>
+            <a:r>
+              <a:rPr lang="en-US" dirty="0" smtClean="0"/>
+              <a:t>Code Splitting</a:t>
+            </a:r>
+          </a:p>
+          <a:p>
+            <a:pPr lvl="1"/>
+            <a:r>
+              <a:rPr lang="en-US" dirty="0" smtClean="0"/>
+              <a:t>Copy </a:t>
+            </a:r>
+            <a:r>
+              <a:rPr lang="en-US" dirty="0" smtClean="0"/>
+              <a:t>instructions from the partition into separate, newly created functions</a:t>
+            </a:r>
+          </a:p>
+          <a:p>
+            <a:pPr lvl="1"/>
+            <a:r>
+              <a:rPr lang="en-US" dirty="0" smtClean="0"/>
+              <a:t>Initialize </a:t>
+            </a:r>
+            <a:r>
+              <a:rPr lang="en-US" dirty="0" smtClean="0"/>
+              <a:t>threads with new loop functions</a:t>
+            </a:r>
+          </a:p>
+          <a:p>
+            <a:pPr lvl="1"/>
+            <a:r>
+              <a:rPr lang="en-US" dirty="0" smtClean="0"/>
+              <a:t>Main </a:t>
+            </a:r>
+            <a:r>
+              <a:rPr lang="en-US" dirty="0" smtClean="0"/>
+              <a:t>thread waits for auxiliary threads to finish</a:t>
             </a:r>
           </a:p>
           <a:p>
@@ -3592,7 +3667,7 @@
 </file>
 
 <file path=ppt/slides/slide5.xml><?xml version="1.0" encoding="utf-8"?>
-<p:sld xmlns:a="http://schemas.openxmlformats.org/drawingml/2006/main" xmlns:r="http://schemas.openxmlformats.org/officeDocument/2006/relationships" xmlns:mc="http://schemas.openxmlformats.org/markup-compatibility/2006" xmlns:mv="urn:schemas-microsoft-com:mac:vml" xmlns:p="http://schemas.openxmlformats.org/presentationml/2006/main" mc:Ignorable="mv" mc:PreserveAttributes="mv:*">
+<p:sld xmlns:a="http://schemas.openxmlformats.org/drawingml/2006/main" xmlns:r="http://schemas.openxmlformats.org/officeDocument/2006/relationships" xmlns:p="http://schemas.openxmlformats.org/presentationml/2006/main">
   <p:cSld>
     <p:spTree>
       <p:nvGrpSpPr>
@@ -3620,12 +3695,18 @@
         </p:nvSpPr>
         <p:spPr/>
         <p:txBody>
-          <a:bodyPr/>
-          <a:lstStyle/>
-          <a:p>
-            <a:r>
-              <a:rPr lang="en-US" dirty="0" smtClean="0"/>
-              <a:t>Synchronization Insertion</a:t>
+          <a:bodyPr>
+            <a:normAutofit fontScale="90000"/>
+          </a:bodyPr>
+          <a:lstStyle/>
+          <a:p>
+            <a:r>
+              <a:rPr lang="en-US" dirty="0" smtClean="0"/>
+              <a:t>Synchronization </a:t>
+            </a:r>
+            <a:r>
+              <a:rPr lang="en-US" dirty="0" smtClean="0"/>
+              <a:t>and Runtime Support</a:t>
             </a:r>
             <a:endParaRPr lang="en-US" dirty="0"/>
           </a:p>
@@ -3649,33 +3730,60 @@
         </p:spPr>
         <p:txBody>
           <a:bodyPr>
-            <a:normAutofit fontScale="85000" lnSpcReduction="10000"/>
+            <a:normAutofit fontScale="62500" lnSpcReduction="20000"/>
           </a:bodyPr>
           <a:lstStyle/>
           <a:p>
             <a:r>
               <a:rPr lang="en-US" dirty="0" smtClean="0"/>
-              <a:t>At points where dependences need to be communicated between threads</a:t>
-            </a:r>
-          </a:p>
-          <a:p>
+              <a:t>For each dependency Insert a produce/consume in the producer/consume thread</a:t>
+            </a:r>
+          </a:p>
+          <a:p>
+            <a:endParaRPr lang="en-US" dirty="0"/>
+          </a:p>
+          <a:p>
+            <a:r>
+              <a:rPr lang="en-US" dirty="0"/>
+              <a:t>Built an external library in C</a:t>
+            </a:r>
+          </a:p>
+          <a:p>
+            <a:endParaRPr lang="en-US" dirty="0"/>
+          </a:p>
+          <a:p>
+            <a:r>
+              <a:rPr lang="en-US" dirty="0"/>
+              <a:t>Fixed-size thread-safe queues</a:t>
+            </a:r>
+          </a:p>
+          <a:p>
+            <a:pPr lvl="1"/>
+            <a:r>
+              <a:rPr lang="en-US" dirty="0"/>
+              <a:t>Block on pop if queue is empty</a:t>
+            </a:r>
+          </a:p>
+          <a:p>
+            <a:pPr lvl="1"/>
+            <a:r>
+              <a:rPr lang="en-US" dirty="0"/>
+              <a:t>Block on push if queue is full</a:t>
+            </a:r>
+          </a:p>
+          <a:p>
+            <a:endParaRPr lang="en-US" dirty="0"/>
+          </a:p>
+          <a:p>
+            <a:r>
+              <a:rPr lang="en-US" dirty="0"/>
+              <a:t>Functions callable from LLVM (for produce and consume</a:t>
+            </a:r>
+            <a:r>
+              <a:rPr lang="en-US" dirty="0" smtClean="0"/>
+              <a:t>)</a:t>
+            </a:r>
             <a:endParaRPr lang="en-US" dirty="0" smtClean="0"/>
-          </a:p>
-          <a:p>
-            <a:r>
-              <a:rPr lang="en-US" dirty="0" smtClean="0"/>
-              <a:t>Insert a produce in the producer thread</a:t>
-            </a:r>
-          </a:p>
-          <a:p>
-            <a:endParaRPr lang="en-US" dirty="0" smtClean="0"/>
-          </a:p>
-          <a:p>
-            <a:r>
-              <a:rPr lang="en-US" dirty="0" smtClean="0"/>
-              <a:t>Insert a consume in the consumer thread</a:t>
-            </a:r>
-            <a:endParaRPr lang="en-US" dirty="0"/>
           </a:p>
         </p:txBody>
       </p:sp>
@@ -3712,7 +3820,7 @@
 </file>
 
 <file path=ppt/slides/slide6.xml><?xml version="1.0" encoding="utf-8"?>
-<p:sld xmlns:a="http://schemas.openxmlformats.org/drawingml/2006/main" xmlns:r="http://schemas.openxmlformats.org/officeDocument/2006/relationships" xmlns:mc="http://schemas.openxmlformats.org/markup-compatibility/2006" xmlns:mv="urn:schemas-microsoft-com:mac:vml" xmlns:p="http://schemas.openxmlformats.org/presentationml/2006/main" mc:Ignorable="mv" mc:PreserveAttributes="mv:*">
+<p:sld xmlns:a="http://schemas.openxmlformats.org/drawingml/2006/main" xmlns:r="http://schemas.openxmlformats.org/officeDocument/2006/relationships" xmlns:p="http://schemas.openxmlformats.org/presentationml/2006/main">
   <p:cSld>
     <p:spTree>
       <p:nvGrpSpPr>
@@ -3745,7 +3853,7 @@
           <a:p>
             <a:r>
               <a:rPr lang="en-US" dirty="0" smtClean="0"/>
-              <a:t>Runtime Support</a:t>
+              <a:t>Architecture</a:t>
             </a:r>
             <a:endParaRPr lang="en-US" dirty="0"/>
           </a:p>
@@ -3753,78 +3861,13 @@
       </p:sp>
       <p:sp>
         <p:nvSpPr>
-          <p:cNvPr id="3" name="Content Placeholder 2"/>
-          <p:cNvSpPr>
-            <a:spLocks noGrp="1"/>
-          </p:cNvSpPr>
-          <p:nvPr>
-            <p:ph idx="1"/>
-          </p:nvPr>
-        </p:nvSpPr>
-        <p:spPr>
-          <a:xfrm>
-            <a:off x="457201" y="1600200"/>
-            <a:ext cx="5455356" cy="4525963"/>
-          </a:xfrm>
-        </p:spPr>
-        <p:txBody>
-          <a:bodyPr/>
-          <a:lstStyle/>
-          <a:p>
-            <a:r>
-              <a:rPr lang="en-US" dirty="0" smtClean="0"/>
-              <a:t>Built an external library in C</a:t>
-            </a:r>
-          </a:p>
-          <a:p>
-            <a:endParaRPr lang="en-US" dirty="0" smtClean="0"/>
-          </a:p>
-          <a:p>
-            <a:r>
-              <a:rPr lang="en-US" dirty="0" smtClean="0"/>
-              <a:t>Fixed-size thread-safe queues</a:t>
-            </a:r>
-          </a:p>
-          <a:p>
-            <a:pPr lvl="1"/>
-            <a:r>
-              <a:rPr lang="en-US" dirty="0" smtClean="0"/>
-              <a:t>Block on pop if queue is empty</a:t>
-            </a:r>
-          </a:p>
-          <a:p>
-            <a:pPr lvl="1"/>
-            <a:r>
-              <a:rPr lang="en-US" dirty="0" smtClean="0"/>
-              <a:t>Block on push if queue is full</a:t>
-            </a:r>
-          </a:p>
-          <a:p>
-            <a:endParaRPr lang="en-US" dirty="0" smtClean="0"/>
-          </a:p>
-          <a:p>
-            <a:r>
-              <a:rPr lang="en-US" dirty="0" smtClean="0"/>
-              <a:t>Functions callable from LLVM (for produce and consume)</a:t>
-            </a:r>
-          </a:p>
-          <a:p>
-            <a:endParaRPr lang="en-US" dirty="0" smtClean="0"/>
-          </a:p>
-          <a:p>
-            <a:endParaRPr lang="en-US" dirty="0"/>
-          </a:p>
-        </p:txBody>
-      </p:sp>
-      <p:sp>
-        <p:nvSpPr>
-          <p:cNvPr id="4" name="Rectangle 3"/>
+          <p:cNvPr id="5" name="Rectangle 4"/>
           <p:cNvSpPr/>
           <p:nvPr/>
         </p:nvSpPr>
         <p:spPr>
           <a:xfrm>
-            <a:off x="6237111" y="1862666"/>
+            <a:off x="2827336" y="1670163"/>
             <a:ext cx="1989667" cy="649112"/>
           </a:xfrm>
           <a:prstGeom prst="rect">
@@ -3862,7 +3905,7 @@
                   <a:srgbClr val="000000"/>
                 </a:solidFill>
               </a:rPr>
-              <a:t>Original program</a:t>
+              <a:t>Dependency Analyzer</a:t>
             </a:r>
             <a:endParaRPr lang="en-US" dirty="0">
               <a:solidFill>
@@ -3874,21 +3917,19 @@
       </p:sp>
       <p:sp>
         <p:nvSpPr>
-          <p:cNvPr id="5" name="Rectangle 4"/>
+          <p:cNvPr id="6" name="Rectangle 5"/>
           <p:cNvSpPr/>
           <p:nvPr/>
         </p:nvSpPr>
         <p:spPr>
           <a:xfrm>
-            <a:off x="6237111" y="4684889"/>
-            <a:ext cx="1989667" cy="493889"/>
+            <a:off x="457200" y="1670163"/>
+            <a:ext cx="1989667" cy="649112"/>
           </a:xfrm>
           <a:prstGeom prst="rect">
             <a:avLst/>
           </a:prstGeom>
-          <a:solidFill>
-            <a:srgbClr val="FFFFFF"/>
-          </a:solidFill>
+          <a:noFill/>
           <a:ln>
             <a:solidFill>
               <a:srgbClr val="000000"/>
@@ -3915,20 +3956,12 @@
           <a:p>
             <a:pPr algn="ctr"/>
             <a:r>
-              <a:rPr lang="en-US" dirty="0" err="1" smtClean="0">
-                <a:solidFill>
-                  <a:srgbClr val="000000"/>
-                </a:solidFill>
-              </a:rPr>
-              <a:t>simple_sync</a:t>
-            </a:r>
-            <a:r>
               <a:rPr lang="en-US" dirty="0" smtClean="0">
                 <a:solidFill>
                   <a:srgbClr val="000000"/>
                 </a:solidFill>
               </a:rPr>
-              <a:t> lib</a:t>
+              <a:t>SCC and DAG builder</a:t>
             </a:r>
             <a:endParaRPr lang="en-US" dirty="0">
               <a:solidFill>
@@ -3940,14 +3973,14 @@
       </p:sp>
       <p:sp>
         <p:nvSpPr>
-          <p:cNvPr id="6" name="Rectangle 5"/>
+          <p:cNvPr id="7" name="Rectangle 6"/>
           <p:cNvSpPr/>
           <p:nvPr/>
         </p:nvSpPr>
         <p:spPr>
           <a:xfrm>
-            <a:off x="6237111" y="3146778"/>
-            <a:ext cx="1989667" cy="867833"/>
+            <a:off x="457196" y="5055070"/>
+            <a:ext cx="1989667" cy="649112"/>
           </a:xfrm>
           <a:prstGeom prst="rect">
             <a:avLst/>
@@ -3955,7 +3988,7 @@
           <a:noFill/>
           <a:ln>
             <a:solidFill>
-              <a:schemeClr val="tx1"/>
+              <a:srgbClr val="000000"/>
             </a:solidFill>
           </a:ln>
         </p:spPr>
@@ -3981,6 +4014,459 @@
             <a:r>
               <a:rPr lang="en-US" dirty="0" smtClean="0">
                 <a:solidFill>
+                  <a:srgbClr val="000000"/>
+                </a:solidFill>
+              </a:rPr>
+              <a:t>Debug Support</a:t>
+            </a:r>
+            <a:endParaRPr lang="en-US" dirty="0">
+              <a:solidFill>
+                <a:srgbClr val="000000"/>
+              </a:solidFill>
+            </a:endParaRPr>
+          </a:p>
+        </p:txBody>
+      </p:sp>
+      <p:sp>
+        <p:nvSpPr>
+          <p:cNvPr id="8" name="Rectangle 7"/>
+          <p:cNvSpPr/>
+          <p:nvPr/>
+        </p:nvSpPr>
+        <p:spPr>
+          <a:xfrm>
+            <a:off x="2905570" y="5055070"/>
+            <a:ext cx="1989667" cy="1335129"/>
+          </a:xfrm>
+          <a:prstGeom prst="rect">
+            <a:avLst/>
+          </a:prstGeom>
+          <a:noFill/>
+          <a:ln>
+            <a:solidFill>
+              <a:srgbClr val="000000"/>
+            </a:solidFill>
+          </a:ln>
+        </p:spPr>
+        <p:style>
+          <a:lnRef idx="1">
+            <a:schemeClr val="accent1"/>
+          </a:lnRef>
+          <a:fillRef idx="3">
+            <a:schemeClr val="accent1"/>
+          </a:fillRef>
+          <a:effectRef idx="2">
+            <a:schemeClr val="accent1"/>
+          </a:effectRef>
+          <a:fontRef idx="minor">
+            <a:schemeClr val="lt1"/>
+          </a:fontRef>
+        </p:style>
+        <p:txBody>
+          <a:bodyPr rtlCol="0" anchor="ctr"/>
+          <a:lstStyle/>
+          <a:p>
+            <a:pPr algn="ctr"/>
+            <a:r>
+              <a:rPr lang="en-US" dirty="0" smtClean="0">
+                <a:solidFill>
+                  <a:srgbClr val="000000"/>
+                </a:solidFill>
+              </a:rPr>
+              <a:t>Runtime support</a:t>
+            </a:r>
+            <a:endParaRPr lang="en-US" dirty="0">
+              <a:solidFill>
+                <a:srgbClr val="000000"/>
+              </a:solidFill>
+            </a:endParaRPr>
+          </a:p>
+        </p:txBody>
+      </p:sp>
+      <p:sp>
+        <p:nvSpPr>
+          <p:cNvPr id="9" name="Rectangle 8"/>
+          <p:cNvSpPr/>
+          <p:nvPr/>
+        </p:nvSpPr>
+        <p:spPr>
+          <a:xfrm>
+            <a:off x="457198" y="3420640"/>
+            <a:ext cx="1989667" cy="649112"/>
+          </a:xfrm>
+          <a:prstGeom prst="rect">
+            <a:avLst/>
+          </a:prstGeom>
+          <a:noFill/>
+          <a:ln>
+            <a:solidFill>
+              <a:srgbClr val="000000"/>
+            </a:solidFill>
+          </a:ln>
+        </p:spPr>
+        <p:style>
+          <a:lnRef idx="1">
+            <a:schemeClr val="accent1"/>
+          </a:lnRef>
+          <a:fillRef idx="3">
+            <a:schemeClr val="accent1"/>
+          </a:fillRef>
+          <a:effectRef idx="2">
+            <a:schemeClr val="accent1"/>
+          </a:effectRef>
+          <a:fontRef idx="minor">
+            <a:schemeClr val="lt1"/>
+          </a:fontRef>
+        </p:style>
+        <p:txBody>
+          <a:bodyPr rtlCol="0" anchor="ctr"/>
+          <a:lstStyle/>
+          <a:p>
+            <a:pPr algn="ctr"/>
+            <a:r>
+              <a:rPr lang="en-US" dirty="0" smtClean="0">
+                <a:solidFill>
+                  <a:srgbClr val="000000"/>
+                </a:solidFill>
+              </a:rPr>
+              <a:t>Loop Splitter</a:t>
+            </a:r>
+            <a:endParaRPr lang="en-US" dirty="0">
+              <a:solidFill>
+                <a:srgbClr val="000000"/>
+              </a:solidFill>
+            </a:endParaRPr>
+          </a:p>
+        </p:txBody>
+      </p:sp>
+      <p:sp>
+        <p:nvSpPr>
+          <p:cNvPr id="12" name="Rectangle 11"/>
+          <p:cNvSpPr/>
+          <p:nvPr/>
+        </p:nvSpPr>
+        <p:spPr>
+          <a:xfrm>
+            <a:off x="457200" y="2552807"/>
+            <a:ext cx="1989667" cy="649112"/>
+          </a:xfrm>
+          <a:prstGeom prst="rect">
+            <a:avLst/>
+          </a:prstGeom>
+          <a:noFill/>
+          <a:ln>
+            <a:solidFill>
+              <a:srgbClr val="000000"/>
+            </a:solidFill>
+          </a:ln>
+        </p:spPr>
+        <p:style>
+          <a:lnRef idx="1">
+            <a:schemeClr val="accent1"/>
+          </a:lnRef>
+          <a:fillRef idx="3">
+            <a:schemeClr val="accent1"/>
+          </a:fillRef>
+          <a:effectRef idx="2">
+            <a:schemeClr val="accent1"/>
+          </a:effectRef>
+          <a:fontRef idx="minor">
+            <a:schemeClr val="lt1"/>
+          </a:fontRef>
+        </p:style>
+        <p:txBody>
+          <a:bodyPr rtlCol="0" anchor="ctr"/>
+          <a:lstStyle/>
+          <a:p>
+            <a:pPr algn="ctr"/>
+            <a:r>
+              <a:rPr lang="en-US" dirty="0" smtClean="0">
+                <a:solidFill>
+                  <a:srgbClr val="000000"/>
+                </a:solidFill>
+              </a:rPr>
+              <a:t>Thread </a:t>
+            </a:r>
+            <a:r>
+              <a:rPr lang="en-US" dirty="0" err="1" smtClean="0">
+                <a:solidFill>
+                  <a:srgbClr val="000000"/>
+                </a:solidFill>
+              </a:rPr>
+              <a:t>Partitioner</a:t>
+            </a:r>
+            <a:endParaRPr lang="en-US" dirty="0">
+              <a:solidFill>
+                <a:srgbClr val="000000"/>
+              </a:solidFill>
+            </a:endParaRPr>
+          </a:p>
+        </p:txBody>
+      </p:sp>
+      <p:sp>
+        <p:nvSpPr>
+          <p:cNvPr id="13" name="Rectangle 12"/>
+          <p:cNvSpPr/>
+          <p:nvPr/>
+        </p:nvSpPr>
+        <p:spPr>
+          <a:xfrm>
+            <a:off x="457197" y="4260250"/>
+            <a:ext cx="1989667" cy="649112"/>
+          </a:xfrm>
+          <a:prstGeom prst="rect">
+            <a:avLst/>
+          </a:prstGeom>
+          <a:noFill/>
+          <a:ln>
+            <a:solidFill>
+              <a:srgbClr val="000000"/>
+            </a:solidFill>
+          </a:ln>
+        </p:spPr>
+        <p:style>
+          <a:lnRef idx="1">
+            <a:schemeClr val="accent1"/>
+          </a:lnRef>
+          <a:fillRef idx="3">
+            <a:schemeClr val="accent1"/>
+          </a:fillRef>
+          <a:effectRef idx="2">
+            <a:schemeClr val="accent1"/>
+          </a:effectRef>
+          <a:fontRef idx="minor">
+            <a:schemeClr val="lt1"/>
+          </a:fontRef>
+        </p:style>
+        <p:txBody>
+          <a:bodyPr rtlCol="0" anchor="ctr"/>
+          <a:lstStyle/>
+          <a:p>
+            <a:pPr algn="ctr"/>
+            <a:r>
+              <a:rPr lang="en-US" dirty="0" smtClean="0">
+                <a:solidFill>
+                  <a:srgbClr val="000000"/>
+                </a:solidFill>
+              </a:rPr>
+              <a:t>Synchronization</a:t>
+            </a:r>
+            <a:endParaRPr lang="en-US" dirty="0">
+              <a:solidFill>
+                <a:srgbClr val="000000"/>
+              </a:solidFill>
+            </a:endParaRPr>
+          </a:p>
+        </p:txBody>
+      </p:sp>
+      <p:sp>
+        <p:nvSpPr>
+          <p:cNvPr id="21" name="Oval 20"/>
+          <p:cNvSpPr/>
+          <p:nvPr/>
+        </p:nvSpPr>
+        <p:spPr>
+          <a:xfrm>
+            <a:off x="2827336" y="2695658"/>
+            <a:ext cx="1928554" cy="1867980"/>
+          </a:xfrm>
+          <a:prstGeom prst="ellipse">
+            <a:avLst/>
+          </a:prstGeom>
+          <a:ln w="12700"/>
+        </p:spPr>
+        <p:style>
+          <a:lnRef idx="2">
+            <a:schemeClr val="dk1"/>
+          </a:lnRef>
+          <a:fillRef idx="1">
+            <a:schemeClr val="lt1"/>
+          </a:fillRef>
+          <a:effectRef idx="0">
+            <a:schemeClr val="dk1"/>
+          </a:effectRef>
+          <a:fontRef idx="minor">
+            <a:schemeClr val="dk1"/>
+          </a:fontRef>
+        </p:style>
+        <p:txBody>
+          <a:bodyPr rtlCol="0" anchor="ctr"/>
+          <a:lstStyle/>
+          <a:p>
+            <a:pPr algn="ctr"/>
+            <a:r>
+              <a:rPr lang="en-US" dirty="0" smtClean="0"/>
+              <a:t>LLVM DSWP Loop Pass</a:t>
+            </a:r>
+            <a:endParaRPr lang="en-US" dirty="0"/>
+          </a:p>
+        </p:txBody>
+      </p:sp>
+      <p:sp>
+        <p:nvSpPr>
+          <p:cNvPr id="22" name="Rectangle 21"/>
+          <p:cNvSpPr/>
+          <p:nvPr/>
+        </p:nvSpPr>
+        <p:spPr>
+          <a:xfrm>
+            <a:off x="6159593" y="1593251"/>
+            <a:ext cx="1989667" cy="649112"/>
+          </a:xfrm>
+          <a:prstGeom prst="rect">
+            <a:avLst/>
+          </a:prstGeom>
+          <a:noFill/>
+          <a:ln>
+            <a:solidFill>
+              <a:srgbClr val="000000"/>
+            </a:solidFill>
+          </a:ln>
+        </p:spPr>
+        <p:style>
+          <a:lnRef idx="1">
+            <a:schemeClr val="accent1"/>
+          </a:lnRef>
+          <a:fillRef idx="3">
+            <a:schemeClr val="accent1"/>
+          </a:fillRef>
+          <a:effectRef idx="2">
+            <a:schemeClr val="accent1"/>
+          </a:effectRef>
+          <a:fontRef idx="minor">
+            <a:schemeClr val="lt1"/>
+          </a:fontRef>
+        </p:style>
+        <p:txBody>
+          <a:bodyPr rtlCol="0" anchor="ctr"/>
+          <a:lstStyle/>
+          <a:p>
+            <a:pPr algn="ctr"/>
+            <a:r>
+              <a:rPr lang="en-US" dirty="0" smtClean="0">
+                <a:solidFill>
+                  <a:srgbClr val="000000"/>
+                </a:solidFill>
+              </a:rPr>
+              <a:t>Original program</a:t>
+            </a:r>
+            <a:endParaRPr lang="en-US" dirty="0">
+              <a:solidFill>
+                <a:srgbClr val="000000"/>
+              </a:solidFill>
+            </a:endParaRPr>
+          </a:p>
+        </p:txBody>
+      </p:sp>
+      <p:sp>
+        <p:nvSpPr>
+          <p:cNvPr id="23" name="Rectangle 22"/>
+          <p:cNvSpPr/>
+          <p:nvPr/>
+        </p:nvSpPr>
+        <p:spPr>
+          <a:xfrm>
+            <a:off x="6159593" y="4415474"/>
+            <a:ext cx="1989667" cy="493889"/>
+          </a:xfrm>
+          <a:prstGeom prst="rect">
+            <a:avLst/>
+          </a:prstGeom>
+          <a:solidFill>
+            <a:srgbClr val="FFFFFF"/>
+          </a:solidFill>
+          <a:ln>
+            <a:solidFill>
+              <a:srgbClr val="000000"/>
+            </a:solidFill>
+          </a:ln>
+        </p:spPr>
+        <p:style>
+          <a:lnRef idx="1">
+            <a:schemeClr val="accent1"/>
+          </a:lnRef>
+          <a:fillRef idx="3">
+            <a:schemeClr val="accent1"/>
+          </a:fillRef>
+          <a:effectRef idx="2">
+            <a:schemeClr val="accent1"/>
+          </a:effectRef>
+          <a:fontRef idx="minor">
+            <a:schemeClr val="lt1"/>
+          </a:fontRef>
+        </p:style>
+        <p:txBody>
+          <a:bodyPr rtlCol="0" anchor="ctr"/>
+          <a:lstStyle/>
+          <a:p>
+            <a:pPr algn="ctr"/>
+            <a:r>
+              <a:rPr lang="en-US" dirty="0" err="1" smtClean="0">
+                <a:solidFill>
+                  <a:srgbClr val="000000"/>
+                </a:solidFill>
+              </a:rPr>
+              <a:t>simple_sync</a:t>
+            </a:r>
+            <a:r>
+              <a:rPr lang="en-US" dirty="0" smtClean="0">
+                <a:solidFill>
+                  <a:srgbClr val="000000"/>
+                </a:solidFill>
+              </a:rPr>
+              <a:t> lib</a:t>
+            </a:r>
+            <a:endParaRPr lang="en-US" dirty="0">
+              <a:solidFill>
+                <a:srgbClr val="000000"/>
+              </a:solidFill>
+            </a:endParaRPr>
+          </a:p>
+        </p:txBody>
+      </p:sp>
+      <p:sp>
+        <p:nvSpPr>
+          <p:cNvPr id="24" name="Rectangle 23"/>
+          <p:cNvSpPr/>
+          <p:nvPr/>
+        </p:nvSpPr>
+        <p:spPr>
+          <a:xfrm>
+            <a:off x="6159593" y="2877363"/>
+            <a:ext cx="1989667" cy="867833"/>
+          </a:xfrm>
+          <a:prstGeom prst="rect">
+            <a:avLst/>
+          </a:prstGeom>
+          <a:noFill/>
+          <a:ln>
+            <a:solidFill>
+              <a:schemeClr val="tx1"/>
+            </a:solidFill>
+          </a:ln>
+        </p:spPr>
+        <p:style>
+          <a:lnRef idx="1">
+            <a:schemeClr val="accent1"/>
+          </a:lnRef>
+          <a:fillRef idx="3">
+            <a:schemeClr val="accent1"/>
+          </a:fillRef>
+          <a:effectRef idx="2">
+            <a:schemeClr val="accent1"/>
+          </a:effectRef>
+          <a:fontRef idx="minor">
+            <a:schemeClr val="lt1"/>
+          </a:fontRef>
+        </p:style>
+        <p:txBody>
+          <a:bodyPr rtlCol="0" anchor="ctr"/>
+          <a:lstStyle/>
+          <a:p>
+            <a:pPr algn="ctr"/>
+            <a:r>
+              <a:rPr lang="en-US" dirty="0" smtClean="0">
+                <a:solidFill>
                   <a:schemeClr val="tx1"/>
                 </a:solidFill>
               </a:rPr>
@@ -3996,16 +4482,16 @@
       </p:sp>
       <p:cxnSp>
         <p:nvCxnSpPr>
-          <p:cNvPr id="8" name="Straight Arrow Connector 7"/>
+          <p:cNvPr id="25" name="Straight Arrow Connector 24"/>
           <p:cNvCxnSpPr>
-            <a:stCxn id="4" idx="2"/>
-            <a:endCxn id="6" idx="0"/>
+            <a:stCxn id="22" idx="2"/>
+            <a:endCxn id="24" idx="0"/>
           </p:cNvCxnSpPr>
           <p:nvPr/>
         </p:nvCxnSpPr>
         <p:spPr>
           <a:xfrm rot="5400000">
-            <a:off x="6914445" y="2829278"/>
+            <a:off x="6836927" y="2559863"/>
             <a:ext cx="635000" cy="1588"/>
           </a:xfrm>
           <a:prstGeom prst="straightConnector1">
@@ -4035,16 +4521,16 @@
       </p:cxnSp>
       <p:cxnSp>
         <p:nvCxnSpPr>
-          <p:cNvPr id="10" name="Straight Arrow Connector 9"/>
+          <p:cNvPr id="26" name="Straight Arrow Connector 25"/>
           <p:cNvCxnSpPr>
-            <a:stCxn id="6" idx="2"/>
-            <a:endCxn id="5" idx="0"/>
+            <a:stCxn id="24" idx="2"/>
+            <a:endCxn id="23" idx="0"/>
           </p:cNvCxnSpPr>
           <p:nvPr/>
         </p:nvCxnSpPr>
         <p:spPr>
           <a:xfrm rot="5400000">
-            <a:off x="6896806" y="4349750"/>
+            <a:off x="6819288" y="4080335"/>
             <a:ext cx="670278" cy="1588"/>
           </a:xfrm>
           <a:prstGeom prst="straightConnector1">
@@ -4074,14 +4560,14 @@
       </p:cxnSp>
       <p:sp>
         <p:nvSpPr>
-          <p:cNvPr id="11" name="TextBox 10"/>
+          <p:cNvPr id="27" name="TextBox 26"/>
           <p:cNvSpPr txBox="1"/>
           <p:nvPr/>
         </p:nvSpPr>
         <p:spPr>
           <a:xfrm>
-            <a:off x="7232739" y="4200071"/>
-            <a:ext cx="1671372" cy="369332"/>
+            <a:off x="5810832" y="3873290"/>
+            <a:ext cx="1059986" cy="369332"/>
           </a:xfrm>
           <a:prstGeom prst="rect">
             <a:avLst/>
@@ -4096,7 +4582,7 @@
           <a:p>
             <a:r>
               <a:rPr lang="en-US" dirty="0" smtClean="0"/>
-              <a:t>Linked against</a:t>
+              <a:t>Linked</a:t>
             </a:r>
             <a:endParaRPr lang="en-US" dirty="0"/>
           </a:p>
@@ -4104,14 +4590,14 @@
       </p:sp>
       <p:sp>
         <p:nvSpPr>
-          <p:cNvPr id="12" name="TextBox 11"/>
+          <p:cNvPr id="28" name="TextBox 27"/>
           <p:cNvSpPr txBox="1"/>
           <p:nvPr/>
         </p:nvSpPr>
         <p:spPr>
           <a:xfrm>
-            <a:off x="7232738" y="2592780"/>
-            <a:ext cx="1911261" cy="369332"/>
+            <a:off x="5647856" y="2386189"/>
+            <a:ext cx="1222962" cy="369332"/>
           </a:xfrm>
           <a:prstGeom prst="rect">
             <a:avLst/>
@@ -4126,7 +4612,7 @@
           <a:p>
             <a:r>
               <a:rPr lang="en-US" dirty="0" smtClean="0"/>
-              <a:t>Compiled by LLVM</a:t>
+              <a:t>Compiled</a:t>
             </a:r>
             <a:endParaRPr lang="en-US" dirty="0"/>
           </a:p>
@@ -4134,13 +4620,13 @@
       </p:sp>
       <p:sp>
         <p:nvSpPr>
-          <p:cNvPr id="14" name="Rectangle 13"/>
+          <p:cNvPr id="29" name="Rectangle 28"/>
           <p:cNvSpPr/>
           <p:nvPr/>
         </p:nvSpPr>
         <p:spPr>
           <a:xfrm>
-            <a:off x="6237905" y="5879218"/>
+            <a:off x="6160387" y="5609803"/>
             <a:ext cx="1989667" cy="493889"/>
           </a:xfrm>
           <a:prstGeom prst="rect">
@@ -4192,16 +4678,16 @@
       </p:sp>
       <p:cxnSp>
         <p:nvCxnSpPr>
-          <p:cNvPr id="16" name="Straight Arrow Connector 15"/>
+          <p:cNvPr id="30" name="Straight Arrow Connector 29"/>
           <p:cNvCxnSpPr>
-            <a:stCxn id="5" idx="2"/>
-            <a:endCxn id="14" idx="0"/>
+            <a:stCxn id="23" idx="2"/>
+            <a:endCxn id="29" idx="0"/>
           </p:cNvCxnSpPr>
           <p:nvPr/>
         </p:nvCxnSpPr>
         <p:spPr>
           <a:xfrm rot="16200000" flipH="1">
-            <a:off x="6882122" y="5528601"/>
+            <a:off x="6804604" y="5259186"/>
             <a:ext cx="700440" cy="794"/>
           </a:xfrm>
           <a:prstGeom prst="straightConnector1">
@@ -4229,7 +4715,278 @@
           </a:fontRef>
         </p:style>
       </p:cxnSp>
+      <p:cxnSp>
+        <p:nvCxnSpPr>
+          <p:cNvPr id="32" name="Straight Connector 31"/>
+          <p:cNvCxnSpPr>
+            <a:stCxn id="5" idx="2"/>
+            <a:endCxn id="21" idx="0"/>
+          </p:cNvCxnSpPr>
+          <p:nvPr/>
+        </p:nvCxnSpPr>
+        <p:spPr>
+          <a:xfrm flipH="1">
+            <a:off x="3791613" y="2319275"/>
+            <a:ext cx="30557" cy="376383"/>
+          </a:xfrm>
+          <a:prstGeom prst="line">
+            <a:avLst/>
+          </a:prstGeom>
+          <a:ln w="12700"/>
+        </p:spPr>
+        <p:style>
+          <a:lnRef idx="2">
+            <a:schemeClr val="dk1"/>
+          </a:lnRef>
+          <a:fillRef idx="0">
+            <a:schemeClr val="dk1"/>
+          </a:fillRef>
+          <a:effectRef idx="1">
+            <a:schemeClr val="dk1"/>
+          </a:effectRef>
+          <a:fontRef idx="minor">
+            <a:schemeClr val="tx1"/>
+          </a:fontRef>
+        </p:style>
+      </p:cxnSp>
+      <p:cxnSp>
+        <p:nvCxnSpPr>
+          <p:cNvPr id="33" name="Straight Connector 32"/>
+          <p:cNvCxnSpPr>
+            <a:stCxn id="6" idx="3"/>
+          </p:cNvCxnSpPr>
+          <p:nvPr/>
+        </p:nvCxnSpPr>
+        <p:spPr>
+          <a:xfrm>
+            <a:off x="2446867" y="1994719"/>
+            <a:ext cx="783443" cy="882644"/>
+          </a:xfrm>
+          <a:prstGeom prst="line">
+            <a:avLst/>
+          </a:prstGeom>
+          <a:ln w="12700"/>
+        </p:spPr>
+        <p:style>
+          <a:lnRef idx="2">
+            <a:schemeClr val="dk1"/>
+          </a:lnRef>
+          <a:fillRef idx="0">
+            <a:schemeClr val="dk1"/>
+          </a:fillRef>
+          <a:effectRef idx="1">
+            <a:schemeClr val="dk1"/>
+          </a:effectRef>
+          <a:fontRef idx="minor">
+            <a:schemeClr val="tx1"/>
+          </a:fontRef>
+        </p:style>
+      </p:cxnSp>
+      <p:cxnSp>
+        <p:nvCxnSpPr>
+          <p:cNvPr id="36" name="Straight Connector 35"/>
+          <p:cNvCxnSpPr>
+            <a:stCxn id="7" idx="3"/>
+          </p:cNvCxnSpPr>
+          <p:nvPr/>
+        </p:nvCxnSpPr>
+        <p:spPr>
+          <a:xfrm flipV="1">
+            <a:off x="2446863" y="4358610"/>
+            <a:ext cx="783447" cy="1021016"/>
+          </a:xfrm>
+          <a:prstGeom prst="line">
+            <a:avLst/>
+          </a:prstGeom>
+          <a:ln w="12700"/>
+        </p:spPr>
+        <p:style>
+          <a:lnRef idx="2">
+            <a:schemeClr val="dk1"/>
+          </a:lnRef>
+          <a:fillRef idx="0">
+            <a:schemeClr val="dk1"/>
+          </a:fillRef>
+          <a:effectRef idx="1">
+            <a:schemeClr val="dk1"/>
+          </a:effectRef>
+          <a:fontRef idx="minor">
+            <a:schemeClr val="tx1"/>
+          </a:fontRef>
+        </p:style>
+      </p:cxnSp>
+      <p:cxnSp>
+        <p:nvCxnSpPr>
+          <p:cNvPr id="39" name="Straight Connector 38"/>
+          <p:cNvCxnSpPr>
+            <a:stCxn id="13" idx="3"/>
+          </p:cNvCxnSpPr>
+          <p:nvPr/>
+        </p:nvCxnSpPr>
+        <p:spPr>
+          <a:xfrm flipV="1">
+            <a:off x="2446864" y="4132414"/>
+            <a:ext cx="544164" cy="452392"/>
+          </a:xfrm>
+          <a:prstGeom prst="line">
+            <a:avLst/>
+          </a:prstGeom>
+          <a:ln w="12700"/>
+        </p:spPr>
+        <p:style>
+          <a:lnRef idx="2">
+            <a:schemeClr val="dk1"/>
+          </a:lnRef>
+          <a:fillRef idx="0">
+            <a:schemeClr val="dk1"/>
+          </a:fillRef>
+          <a:effectRef idx="1">
+            <a:schemeClr val="dk1"/>
+          </a:effectRef>
+          <a:fontRef idx="minor">
+            <a:schemeClr val="tx1"/>
+          </a:fontRef>
+        </p:style>
+      </p:cxnSp>
+      <p:cxnSp>
+        <p:nvCxnSpPr>
+          <p:cNvPr id="42" name="Straight Connector 41"/>
+          <p:cNvCxnSpPr>
+            <a:stCxn id="9" idx="3"/>
+            <a:endCxn id="21" idx="2"/>
+          </p:cNvCxnSpPr>
+          <p:nvPr/>
+        </p:nvCxnSpPr>
+        <p:spPr>
+          <a:xfrm flipV="1">
+            <a:off x="2446865" y="3629648"/>
+            <a:ext cx="380471" cy="115548"/>
+          </a:xfrm>
+          <a:prstGeom prst="line">
+            <a:avLst/>
+          </a:prstGeom>
+          <a:ln w="12700"/>
+        </p:spPr>
+        <p:style>
+          <a:lnRef idx="2">
+            <a:schemeClr val="dk1"/>
+          </a:lnRef>
+          <a:fillRef idx="0">
+            <a:schemeClr val="dk1"/>
+          </a:fillRef>
+          <a:effectRef idx="1">
+            <a:schemeClr val="dk1"/>
+          </a:effectRef>
+          <a:fontRef idx="minor">
+            <a:schemeClr val="tx1"/>
+          </a:fontRef>
+        </p:style>
+      </p:cxnSp>
+      <p:cxnSp>
+        <p:nvCxnSpPr>
+          <p:cNvPr id="46" name="Straight Connector 45"/>
+          <p:cNvCxnSpPr>
+            <a:stCxn id="12" idx="3"/>
+          </p:cNvCxnSpPr>
+          <p:nvPr/>
+        </p:nvCxnSpPr>
+        <p:spPr>
+          <a:xfrm>
+            <a:off x="2446867" y="2877363"/>
+            <a:ext cx="458703" cy="376142"/>
+          </a:xfrm>
+          <a:prstGeom prst="line">
+            <a:avLst/>
+          </a:prstGeom>
+          <a:ln w="12700"/>
+        </p:spPr>
+        <p:style>
+          <a:lnRef idx="2">
+            <a:schemeClr val="dk1"/>
+          </a:lnRef>
+          <a:fillRef idx="0">
+            <a:schemeClr val="dk1"/>
+          </a:fillRef>
+          <a:effectRef idx="1">
+            <a:schemeClr val="dk1"/>
+          </a:effectRef>
+          <a:fontRef idx="minor">
+            <a:schemeClr val="tx1"/>
+          </a:fontRef>
+        </p:style>
+      </p:cxnSp>
+      <p:cxnSp>
+        <p:nvCxnSpPr>
+          <p:cNvPr id="60" name="Elbow Connector 59"/>
+          <p:cNvCxnSpPr>
+            <a:stCxn id="8" idx="3"/>
+            <a:endCxn id="27" idx="1"/>
+          </p:cNvCxnSpPr>
+          <p:nvPr/>
+        </p:nvCxnSpPr>
+        <p:spPr>
+          <a:xfrm flipV="1">
+            <a:off x="4895237" y="4057956"/>
+            <a:ext cx="915595" cy="1664679"/>
+          </a:xfrm>
+          <a:prstGeom prst="bentConnector3">
+            <a:avLst/>
+          </a:prstGeom>
+        </p:spPr>
+        <p:style>
+          <a:lnRef idx="2">
+            <a:schemeClr val="dk1"/>
+          </a:lnRef>
+          <a:fillRef idx="0">
+            <a:schemeClr val="dk1"/>
+          </a:fillRef>
+          <a:effectRef idx="1">
+            <a:schemeClr val="dk1"/>
+          </a:effectRef>
+          <a:fontRef idx="minor">
+            <a:schemeClr val="tx1"/>
+          </a:fontRef>
+        </p:style>
+      </p:cxnSp>
+      <p:cxnSp>
+        <p:nvCxnSpPr>
+          <p:cNvPr id="65" name="Elbow Connector 64"/>
+          <p:cNvCxnSpPr>
+            <a:stCxn id="21" idx="6"/>
+            <a:endCxn id="28" idx="1"/>
+          </p:cNvCxnSpPr>
+          <p:nvPr/>
+        </p:nvCxnSpPr>
+        <p:spPr>
+          <a:xfrm flipV="1">
+            <a:off x="4755890" y="2570855"/>
+            <a:ext cx="891966" cy="1058793"/>
+          </a:xfrm>
+          <a:prstGeom prst="bentConnector3">
+            <a:avLst/>
+          </a:prstGeom>
+        </p:spPr>
+        <p:style>
+          <a:lnRef idx="2">
+            <a:schemeClr val="dk1"/>
+          </a:lnRef>
+          <a:fillRef idx="0">
+            <a:schemeClr val="dk1"/>
+          </a:fillRef>
+          <a:effectRef idx="1">
+            <a:schemeClr val="dk1"/>
+          </a:effectRef>
+          <a:fontRef idx="minor">
+            <a:schemeClr val="tx1"/>
+          </a:fontRef>
+        </p:style>
+      </p:cxnSp>
     </p:spTree>
+    <p:extLst>
+      <p:ext uri="{BB962C8B-B14F-4D97-AF65-F5344CB8AC3E}">
+        <p14:creationId xmlns:p14="http://schemas.microsoft.com/office/powerpoint/2010/main" val="3243864486"/>
+      </p:ext>
+    </p:extLst>
   </p:cSld>
   <p:clrMapOvr>
     <a:masterClrMapping/>
@@ -4238,7 +4995,7 @@
 </file>
 
 <file path=ppt/slides/slide7.xml><?xml version="1.0" encoding="utf-8"?>
-<p:sld xmlns:a="http://schemas.openxmlformats.org/drawingml/2006/main" xmlns:r="http://schemas.openxmlformats.org/officeDocument/2006/relationships" xmlns:mc="http://schemas.openxmlformats.org/markup-compatibility/2006" xmlns:mv="urn:schemas-microsoft-com:mac:vml" xmlns:p="http://schemas.openxmlformats.org/presentationml/2006/main" mc:Ignorable="mv" mc:PreserveAttributes="mv:*">
+<p:sld xmlns:a="http://schemas.openxmlformats.org/drawingml/2006/main" xmlns:r="http://schemas.openxmlformats.org/officeDocument/2006/relationships" xmlns:p="http://schemas.openxmlformats.org/presentationml/2006/main">
   <p:cSld>
     <p:spTree>
       <p:nvGrpSpPr>
@@ -4270,10 +5027,10 @@
           <a:lstStyle/>
           <a:p>
             <a:r>
-              <a:rPr lang="en-US" smtClean="0"/>
-              <a:t>Results</a:t>
-            </a:r>
-            <a:endParaRPr lang="en-US"/>
+              <a:rPr lang="en-US" dirty="0" smtClean="0"/>
+              <a:t>Results &amp; Analysis</a:t>
+            </a:r>
+            <a:endParaRPr lang="en-US" dirty="0"/>
           </a:p>
         </p:txBody>
       </p:sp>
@@ -4292,7 +5049,44 @@
           <a:bodyPr/>
           <a:lstStyle/>
           <a:p>
-            <a:endParaRPr lang="en-US"/>
+            <a:r>
+              <a:rPr lang="en-US" dirty="0" smtClean="0"/>
+              <a:t>Haven't run the optimizer on large program</a:t>
+            </a:r>
+          </a:p>
+          <a:p>
+            <a:r>
+              <a:rPr lang="en-US" dirty="0" smtClean="0"/>
+              <a:t>On simple program that calculate sum from 1 to 10000, it is much slower than original one</a:t>
+            </a:r>
+          </a:p>
+          <a:p>
+            <a:r>
+              <a:rPr lang="en-US" dirty="0" smtClean="0"/>
+              <a:t>Why?</a:t>
+            </a:r>
+          </a:p>
+          <a:p>
+            <a:pPr lvl="1"/>
+            <a:r>
+              <a:rPr lang="en-US" dirty="0"/>
+              <a:t>Run on </a:t>
+            </a:r>
+            <a:r>
+              <a:rPr lang="en-US" dirty="0" smtClean="0"/>
+              <a:t>un-optimized code give “unreal” opportunity </a:t>
+            </a:r>
+            <a:r>
+              <a:rPr lang="en-US" dirty="0"/>
+              <a:t>for parallelization</a:t>
+            </a:r>
+          </a:p>
+          <a:p>
+            <a:pPr lvl="1"/>
+            <a:r>
+              <a:rPr lang="en-US" dirty="0" smtClean="0"/>
+              <a:t>Overhead of communication</a:t>
+            </a:r>
           </a:p>
         </p:txBody>
       </p:sp>
@@ -4305,7 +5099,7 @@
 </file>
 
 <file path=ppt/slides/slide8.xml><?xml version="1.0" encoding="utf-8"?>
-<p:sld xmlns:a="http://schemas.openxmlformats.org/drawingml/2006/main" xmlns:r="http://schemas.openxmlformats.org/officeDocument/2006/relationships" xmlns:mc="http://schemas.openxmlformats.org/markup-compatibility/2006" xmlns:mv="urn:schemas-microsoft-com:mac:vml" xmlns:p="http://schemas.openxmlformats.org/presentationml/2006/main" mc:Ignorable="mv" mc:PreserveAttributes="mv:*">
+<p:sld xmlns:a="http://schemas.openxmlformats.org/drawingml/2006/main" xmlns:r="http://schemas.openxmlformats.org/officeDocument/2006/relationships" xmlns:p="http://schemas.openxmlformats.org/presentationml/2006/main">
   <p:cSld>
     <p:spTree>
       <p:nvGrpSpPr>
@@ -4356,25 +5150,62 @@
         </p:nvSpPr>
         <p:spPr/>
         <p:txBody>
-          <a:bodyPr/>
-          <a:lstStyle/>
-          <a:p>
-            <a:r>
-              <a:rPr lang="en-US" dirty="0" smtClean="0"/>
-              <a:t>More testing and benchmarks</a:t>
-            </a:r>
-          </a:p>
-          <a:p>
+          <a:bodyPr>
+            <a:normAutofit/>
+          </a:bodyPr>
+          <a:lstStyle/>
+          <a:p>
+            <a:r>
+              <a:rPr lang="en-US" dirty="0" smtClean="0"/>
+              <a:t>Improve the implementation, more </a:t>
+            </a:r>
+            <a:r>
+              <a:rPr lang="en-US" dirty="0"/>
+              <a:t>testing and </a:t>
+            </a:r>
+            <a:r>
+              <a:rPr lang="en-US" dirty="0" smtClean="0"/>
+              <a:t>benchmarks</a:t>
+            </a:r>
             <a:endParaRPr lang="en-US" dirty="0" smtClean="0"/>
           </a:p>
           <a:p>
+            <a:r>
+              <a:rPr lang="en-US" dirty="0" smtClean="0"/>
+              <a:t>Better dependency analysis, better alias analysis</a:t>
+            </a:r>
+          </a:p>
+          <a:p>
+            <a:r>
+              <a:rPr lang="en-US" dirty="0" smtClean="0"/>
+              <a:t>Formulation for synchronization cost based thread partition model, and better heuristic</a:t>
+            </a:r>
             <a:endParaRPr lang="en-US" dirty="0" smtClean="0"/>
           </a:p>
           <a:p>
             <a:r>
               <a:rPr lang="en-US" dirty="0" smtClean="0"/>
-              <a:t>Persist threads between loop bodies</a:t>
-            </a:r>
+              <a:t>Reduce </a:t>
+            </a:r>
+            <a:r>
+              <a:rPr lang="en-US" dirty="0"/>
+              <a:t>the runtime overload </a:t>
+            </a:r>
+            <a:r>
+              <a:rPr lang="en-US" dirty="0" smtClean="0"/>
+              <a:t>(1. Persist </a:t>
+            </a:r>
+            <a:r>
+              <a:rPr lang="en-US" dirty="0"/>
+              <a:t>threads between loop </a:t>
+            </a:r>
+            <a:r>
+              <a:rPr lang="en-US" dirty="0" smtClean="0"/>
+              <a:t>bodies. 2. Profiling)</a:t>
+            </a:r>
+          </a:p>
+          <a:p>
+            <a:endParaRPr lang="en-US" dirty="0"/>
           </a:p>
           <a:p>
             <a:endParaRPr lang="en-US" dirty="0" smtClean="0"/>
@@ -4383,11 +5214,10 @@
             <a:endParaRPr lang="en-US" dirty="0" smtClean="0"/>
           </a:p>
           <a:p>
-            <a:r>
-              <a:rPr lang="en-US" dirty="0" smtClean="0"/>
-              <a:t>Improved thread synchronization cost model</a:t>
-            </a:r>
-            <a:endParaRPr lang="en-US" dirty="0"/>
+            <a:endParaRPr lang="en-US" dirty="0" smtClean="0"/>
+          </a:p>
+          <a:p>
+            <a:endParaRPr lang="en-US" dirty="0" smtClean="0"/>
           </a:p>
         </p:txBody>
       </p:sp>

--- a/doc/15745poster.pptx
+++ b/doc/15745poster.pptx
@@ -1,6 +1,6 @@
 
 <file path=ppt/presentation.xml><?xml version="1.0" encoding="utf-8"?>
-<p:presentation xmlns:a="http://schemas.openxmlformats.org/drawingml/2006/main" xmlns:r="http://schemas.openxmlformats.org/officeDocument/2006/relationships" xmlns:p="http://schemas.openxmlformats.org/presentationml/2006/main" saveSubsetFonts="1" autoCompressPictures="0">
+<p:presentation xmlns:a="http://schemas.openxmlformats.org/drawingml/2006/main" xmlns:r="http://schemas.openxmlformats.org/officeDocument/2006/relationships" xmlns:mc="http://schemas.openxmlformats.org/markup-compatibility/2006" xmlns:mv="urn:schemas-microsoft-com:mac:vml" xmlns:p="http://schemas.openxmlformats.org/presentationml/2006/main" mc:Ignorable="mv" mc:PreserveAttributes="mv:*" saveSubsetFonts="1" autoCompressPictures="0">
   <p:sldMasterIdLst>
     <p:sldMasterId id="2147483648" r:id="rId1"/>
   </p:sldMasterIdLst>
@@ -115,7 +115,7 @@
 </file>
 
 <file path=ppt/slideLayouts/slideLayout1.xml><?xml version="1.0" encoding="utf-8"?>
-<p:sldLayout xmlns:a="http://schemas.openxmlformats.org/drawingml/2006/main" xmlns:r="http://schemas.openxmlformats.org/officeDocument/2006/relationships" xmlns:p="http://schemas.openxmlformats.org/presentationml/2006/main" type="title" preserve="1">
+<p:sldLayout xmlns:a="http://schemas.openxmlformats.org/drawingml/2006/main" xmlns:r="http://schemas.openxmlformats.org/officeDocument/2006/relationships" xmlns:mc="http://schemas.openxmlformats.org/markup-compatibility/2006" xmlns:mv="urn:schemas-microsoft-com:mac:vml" xmlns:p="http://schemas.openxmlformats.org/presentationml/2006/main" mc:Ignorable="mv" mc:PreserveAttributes="mv:*" type="title" preserve="1">
   <p:cSld name="Title Slide">
     <p:spTree>
       <p:nvGrpSpPr>
@@ -296,7 +296,7 @@
             <a:fld id="{3E589C00-19D7-4C44-A3B1-AC795CC13521}" type="datetimeFigureOut">
               <a:rPr lang="en-US" smtClean="0"/>
               <a:pPr/>
-              <a:t>4/28/2011</a:t>
+              <a:t>4/28/11</a:t>
             </a:fld>
             <a:endParaRPr lang="en-US"/>
           </a:p>
@@ -354,7 +354,7 @@
 </file>
 
 <file path=ppt/slideLayouts/slideLayout10.xml><?xml version="1.0" encoding="utf-8"?>
-<p:sldLayout xmlns:a="http://schemas.openxmlformats.org/drawingml/2006/main" xmlns:r="http://schemas.openxmlformats.org/officeDocument/2006/relationships" xmlns:p="http://schemas.openxmlformats.org/presentationml/2006/main" type="vertTx" preserve="1">
+<p:sldLayout xmlns:a="http://schemas.openxmlformats.org/drawingml/2006/main" xmlns:r="http://schemas.openxmlformats.org/officeDocument/2006/relationships" xmlns:mc="http://schemas.openxmlformats.org/markup-compatibility/2006" xmlns:mv="urn:schemas-microsoft-com:mac:vml" xmlns:p="http://schemas.openxmlformats.org/presentationml/2006/main" mc:Ignorable="mv" mc:PreserveAttributes="mv:*" type="vertTx" preserve="1">
   <p:cSld name="Title and Vertical Text">
     <p:spTree>
       <p:nvGrpSpPr>
@@ -463,7 +463,7 @@
             <a:fld id="{3E589C00-19D7-4C44-A3B1-AC795CC13521}" type="datetimeFigureOut">
               <a:rPr lang="en-US" smtClean="0"/>
               <a:pPr/>
-              <a:t>4/28/2011</a:t>
+              <a:t>4/28/11</a:t>
             </a:fld>
             <a:endParaRPr lang="en-US"/>
           </a:p>
@@ -521,7 +521,7 @@
 </file>
 
 <file path=ppt/slideLayouts/slideLayout11.xml><?xml version="1.0" encoding="utf-8"?>
-<p:sldLayout xmlns:a="http://schemas.openxmlformats.org/drawingml/2006/main" xmlns:r="http://schemas.openxmlformats.org/officeDocument/2006/relationships" xmlns:p="http://schemas.openxmlformats.org/presentationml/2006/main" type="vertTitleAndTx" preserve="1">
+<p:sldLayout xmlns:a="http://schemas.openxmlformats.org/drawingml/2006/main" xmlns:r="http://schemas.openxmlformats.org/officeDocument/2006/relationships" xmlns:mc="http://schemas.openxmlformats.org/markup-compatibility/2006" xmlns:mv="urn:schemas-microsoft-com:mac:vml" xmlns:p="http://schemas.openxmlformats.org/presentationml/2006/main" mc:Ignorable="mv" mc:PreserveAttributes="mv:*" type="vertTitleAndTx" preserve="1">
   <p:cSld name="Vertical Title and Text">
     <p:spTree>
       <p:nvGrpSpPr>
@@ -640,7 +640,7 @@
             <a:fld id="{3E589C00-19D7-4C44-A3B1-AC795CC13521}" type="datetimeFigureOut">
               <a:rPr lang="en-US" smtClean="0"/>
               <a:pPr/>
-              <a:t>4/28/2011</a:t>
+              <a:t>4/28/11</a:t>
             </a:fld>
             <a:endParaRPr lang="en-US"/>
           </a:p>
@@ -698,7 +698,7 @@
 </file>
 
 <file path=ppt/slideLayouts/slideLayout2.xml><?xml version="1.0" encoding="utf-8"?>
-<p:sldLayout xmlns:a="http://schemas.openxmlformats.org/drawingml/2006/main" xmlns:r="http://schemas.openxmlformats.org/officeDocument/2006/relationships" xmlns:p="http://schemas.openxmlformats.org/presentationml/2006/main" type="obj" preserve="1">
+<p:sldLayout xmlns:a="http://schemas.openxmlformats.org/drawingml/2006/main" xmlns:r="http://schemas.openxmlformats.org/officeDocument/2006/relationships" xmlns:mc="http://schemas.openxmlformats.org/markup-compatibility/2006" xmlns:mv="urn:schemas-microsoft-com:mac:vml" xmlns:p="http://schemas.openxmlformats.org/presentationml/2006/main" mc:Ignorable="mv" mc:PreserveAttributes="mv:*" type="obj" preserve="1">
   <p:cSld name="Title and Content">
     <p:spTree>
       <p:nvGrpSpPr>
@@ -807,7 +807,7 @@
             <a:fld id="{3E589C00-19D7-4C44-A3B1-AC795CC13521}" type="datetimeFigureOut">
               <a:rPr lang="en-US" smtClean="0"/>
               <a:pPr/>
-              <a:t>4/28/2011</a:t>
+              <a:t>4/28/11</a:t>
             </a:fld>
             <a:endParaRPr lang="en-US"/>
           </a:p>
@@ -865,7 +865,7 @@
 </file>
 
 <file path=ppt/slideLayouts/slideLayout3.xml><?xml version="1.0" encoding="utf-8"?>
-<p:sldLayout xmlns:a="http://schemas.openxmlformats.org/drawingml/2006/main" xmlns:r="http://schemas.openxmlformats.org/officeDocument/2006/relationships" xmlns:p="http://schemas.openxmlformats.org/presentationml/2006/main" type="secHead" preserve="1">
+<p:sldLayout xmlns:a="http://schemas.openxmlformats.org/drawingml/2006/main" xmlns:r="http://schemas.openxmlformats.org/officeDocument/2006/relationships" xmlns:mc="http://schemas.openxmlformats.org/markup-compatibility/2006" xmlns:mv="urn:schemas-microsoft-com:mac:vml" xmlns:p="http://schemas.openxmlformats.org/presentationml/2006/main" mc:Ignorable="mv" mc:PreserveAttributes="mv:*" type="secHead" preserve="1">
   <p:cSld name="Section Header">
     <p:spTree>
       <p:nvGrpSpPr>
@@ -1050,7 +1050,7 @@
             <a:fld id="{3E589C00-19D7-4C44-A3B1-AC795CC13521}" type="datetimeFigureOut">
               <a:rPr lang="en-US" smtClean="0"/>
               <a:pPr/>
-              <a:t>4/28/2011</a:t>
+              <a:t>4/28/11</a:t>
             </a:fld>
             <a:endParaRPr lang="en-US"/>
           </a:p>
@@ -1108,7 +1108,7 @@
 </file>
 
 <file path=ppt/slideLayouts/slideLayout4.xml><?xml version="1.0" encoding="utf-8"?>
-<p:sldLayout xmlns:a="http://schemas.openxmlformats.org/drawingml/2006/main" xmlns:r="http://schemas.openxmlformats.org/officeDocument/2006/relationships" xmlns:p="http://schemas.openxmlformats.org/presentationml/2006/main" type="twoObj" preserve="1">
+<p:sldLayout xmlns:a="http://schemas.openxmlformats.org/drawingml/2006/main" xmlns:r="http://schemas.openxmlformats.org/officeDocument/2006/relationships" xmlns:mc="http://schemas.openxmlformats.org/markup-compatibility/2006" xmlns:mv="urn:schemas-microsoft-com:mac:vml" xmlns:p="http://schemas.openxmlformats.org/presentationml/2006/main" mc:Ignorable="mv" mc:PreserveAttributes="mv:*" type="twoObj" preserve="1">
   <p:cSld name="Two Content">
     <p:spTree>
       <p:nvGrpSpPr>
@@ -1335,7 +1335,7 @@
             <a:fld id="{3E589C00-19D7-4C44-A3B1-AC795CC13521}" type="datetimeFigureOut">
               <a:rPr lang="en-US" smtClean="0"/>
               <a:pPr/>
-              <a:t>4/28/2011</a:t>
+              <a:t>4/28/11</a:t>
             </a:fld>
             <a:endParaRPr lang="en-US"/>
           </a:p>
@@ -1393,7 +1393,7 @@
 </file>
 
 <file path=ppt/slideLayouts/slideLayout5.xml><?xml version="1.0" encoding="utf-8"?>
-<p:sldLayout xmlns:a="http://schemas.openxmlformats.org/drawingml/2006/main" xmlns:r="http://schemas.openxmlformats.org/officeDocument/2006/relationships" xmlns:p="http://schemas.openxmlformats.org/presentationml/2006/main" type="twoTxTwoObj" preserve="1">
+<p:sldLayout xmlns:a="http://schemas.openxmlformats.org/drawingml/2006/main" xmlns:r="http://schemas.openxmlformats.org/officeDocument/2006/relationships" xmlns:mc="http://schemas.openxmlformats.org/markup-compatibility/2006" xmlns:mv="urn:schemas-microsoft-com:mac:vml" xmlns:p="http://schemas.openxmlformats.org/presentationml/2006/main" mc:Ignorable="mv" mc:PreserveAttributes="mv:*" type="twoTxTwoObj" preserve="1">
   <p:cSld name="Comparison">
     <p:spTree>
       <p:nvGrpSpPr>
@@ -1754,7 +1754,7 @@
             <a:fld id="{3E589C00-19D7-4C44-A3B1-AC795CC13521}" type="datetimeFigureOut">
               <a:rPr lang="en-US" smtClean="0"/>
               <a:pPr/>
-              <a:t>4/28/2011</a:t>
+              <a:t>4/28/11</a:t>
             </a:fld>
             <a:endParaRPr lang="en-US"/>
           </a:p>
@@ -1812,7 +1812,7 @@
 </file>
 
 <file path=ppt/slideLayouts/slideLayout6.xml><?xml version="1.0" encoding="utf-8"?>
-<p:sldLayout xmlns:a="http://schemas.openxmlformats.org/drawingml/2006/main" xmlns:r="http://schemas.openxmlformats.org/officeDocument/2006/relationships" xmlns:p="http://schemas.openxmlformats.org/presentationml/2006/main" type="titleOnly" preserve="1">
+<p:sldLayout xmlns:a="http://schemas.openxmlformats.org/drawingml/2006/main" xmlns:r="http://schemas.openxmlformats.org/officeDocument/2006/relationships" xmlns:mc="http://schemas.openxmlformats.org/markup-compatibility/2006" xmlns:mv="urn:schemas-microsoft-com:mac:vml" xmlns:p="http://schemas.openxmlformats.org/presentationml/2006/main" mc:Ignorable="mv" mc:PreserveAttributes="mv:*" type="titleOnly" preserve="1">
   <p:cSld name="Title Only">
     <p:spTree>
       <p:nvGrpSpPr>
@@ -1869,7 +1869,7 @@
             <a:fld id="{3E589C00-19D7-4C44-A3B1-AC795CC13521}" type="datetimeFigureOut">
               <a:rPr lang="en-US" smtClean="0"/>
               <a:pPr/>
-              <a:t>4/28/2011</a:t>
+              <a:t>4/28/11</a:t>
             </a:fld>
             <a:endParaRPr lang="en-US"/>
           </a:p>
@@ -1927,7 +1927,7 @@
 </file>
 
 <file path=ppt/slideLayouts/slideLayout7.xml><?xml version="1.0" encoding="utf-8"?>
-<p:sldLayout xmlns:a="http://schemas.openxmlformats.org/drawingml/2006/main" xmlns:r="http://schemas.openxmlformats.org/officeDocument/2006/relationships" xmlns:p="http://schemas.openxmlformats.org/presentationml/2006/main" type="blank" preserve="1">
+<p:sldLayout xmlns:a="http://schemas.openxmlformats.org/drawingml/2006/main" xmlns:r="http://schemas.openxmlformats.org/officeDocument/2006/relationships" xmlns:mc="http://schemas.openxmlformats.org/markup-compatibility/2006" xmlns:mv="urn:schemas-microsoft-com:mac:vml" xmlns:p="http://schemas.openxmlformats.org/presentationml/2006/main" mc:Ignorable="mv" mc:PreserveAttributes="mv:*" type="blank" preserve="1">
   <p:cSld name="Blank">
     <p:spTree>
       <p:nvGrpSpPr>
@@ -1961,7 +1961,7 @@
             <a:fld id="{3E589C00-19D7-4C44-A3B1-AC795CC13521}" type="datetimeFigureOut">
               <a:rPr lang="en-US" smtClean="0"/>
               <a:pPr/>
-              <a:t>4/28/2011</a:t>
+              <a:t>4/28/11</a:t>
             </a:fld>
             <a:endParaRPr lang="en-US"/>
           </a:p>
@@ -2019,7 +2019,7 @@
 </file>
 
 <file path=ppt/slideLayouts/slideLayout8.xml><?xml version="1.0" encoding="utf-8"?>
-<p:sldLayout xmlns:a="http://schemas.openxmlformats.org/drawingml/2006/main" xmlns:r="http://schemas.openxmlformats.org/officeDocument/2006/relationships" xmlns:p="http://schemas.openxmlformats.org/presentationml/2006/main" type="objTx" preserve="1">
+<p:sldLayout xmlns:a="http://schemas.openxmlformats.org/drawingml/2006/main" xmlns:r="http://schemas.openxmlformats.org/officeDocument/2006/relationships" xmlns:mc="http://schemas.openxmlformats.org/markup-compatibility/2006" xmlns:mv="urn:schemas-microsoft-com:mac:vml" xmlns:p="http://schemas.openxmlformats.org/presentationml/2006/main" mc:Ignorable="mv" mc:PreserveAttributes="mv:*" type="objTx" preserve="1">
   <p:cSld name="Content with Caption">
     <p:spTree>
       <p:nvGrpSpPr>
@@ -2235,7 +2235,7 @@
             <a:fld id="{3E589C00-19D7-4C44-A3B1-AC795CC13521}" type="datetimeFigureOut">
               <a:rPr lang="en-US" smtClean="0"/>
               <a:pPr/>
-              <a:t>4/28/2011</a:t>
+              <a:t>4/28/11</a:t>
             </a:fld>
             <a:endParaRPr lang="en-US"/>
           </a:p>
@@ -2293,7 +2293,7 @@
 </file>
 
 <file path=ppt/slideLayouts/slideLayout9.xml><?xml version="1.0" encoding="utf-8"?>
-<p:sldLayout xmlns:a="http://schemas.openxmlformats.org/drawingml/2006/main" xmlns:r="http://schemas.openxmlformats.org/officeDocument/2006/relationships" xmlns:p="http://schemas.openxmlformats.org/presentationml/2006/main" type="picTx" preserve="1">
+<p:sldLayout xmlns:a="http://schemas.openxmlformats.org/drawingml/2006/main" xmlns:r="http://schemas.openxmlformats.org/officeDocument/2006/relationships" xmlns:mc="http://schemas.openxmlformats.org/markup-compatibility/2006" xmlns:mv="urn:schemas-microsoft-com:mac:vml" xmlns:p="http://schemas.openxmlformats.org/presentationml/2006/main" mc:Ignorable="mv" mc:PreserveAttributes="mv:*" type="picTx" preserve="1">
   <p:cSld name="Picture with Caption">
     <p:spTree>
       <p:nvGrpSpPr>
@@ -2485,7 +2485,7 @@
             <a:fld id="{3E589C00-19D7-4C44-A3B1-AC795CC13521}" type="datetimeFigureOut">
               <a:rPr lang="en-US" smtClean="0"/>
               <a:pPr/>
-              <a:t>4/28/2011</a:t>
+              <a:t>4/28/11</a:t>
             </a:fld>
             <a:endParaRPr lang="en-US"/>
           </a:p>
@@ -2543,7 +2543,7 @@
 </file>
 
 <file path=ppt/slideMasters/slideMaster1.xml><?xml version="1.0" encoding="utf-8"?>
-<p:sldMaster xmlns:a="http://schemas.openxmlformats.org/drawingml/2006/main" xmlns:r="http://schemas.openxmlformats.org/officeDocument/2006/relationships" xmlns:p="http://schemas.openxmlformats.org/presentationml/2006/main">
+<p:sldMaster xmlns:a="http://schemas.openxmlformats.org/drawingml/2006/main" xmlns:r="http://schemas.openxmlformats.org/officeDocument/2006/relationships" xmlns:mc="http://schemas.openxmlformats.org/markup-compatibility/2006" xmlns:mv="urn:schemas-microsoft-com:mac:vml" xmlns:p="http://schemas.openxmlformats.org/presentationml/2006/main" mc:Ignorable="mv" mc:PreserveAttributes="mv:*">
   <p:cSld>
     <p:bg>
       <p:bgRef idx="1001">
@@ -2695,7 +2695,7 @@
             <a:fld id="{3E589C00-19D7-4C44-A3B1-AC795CC13521}" type="datetimeFigureOut">
               <a:rPr lang="en-US" smtClean="0"/>
               <a:pPr/>
-              <a:t>4/28/2011</a:t>
+              <a:t>4/28/11</a:t>
             </a:fld>
             <a:endParaRPr lang="en-US"/>
           </a:p>
@@ -3050,7 +3050,7 @@
 </file>
 
 <file path=ppt/slides/slide1.xml><?xml version="1.0" encoding="utf-8"?>
-<p:sld xmlns:a="http://schemas.openxmlformats.org/drawingml/2006/main" xmlns:r="http://schemas.openxmlformats.org/officeDocument/2006/relationships" xmlns:p="http://schemas.openxmlformats.org/presentationml/2006/main">
+<p:sld xmlns:a="http://schemas.openxmlformats.org/drawingml/2006/main" xmlns:r="http://schemas.openxmlformats.org/officeDocument/2006/relationships" xmlns:mc="http://schemas.openxmlformats.org/markup-compatibility/2006" xmlns:mv="urn:schemas-microsoft-com:mac:vml" xmlns:p="http://schemas.openxmlformats.org/presentationml/2006/main" mc:Ignorable="mv" mc:PreserveAttributes="mv:*">
   <p:cSld>
     <p:spTree>
       <p:nvGrpSpPr>
@@ -3088,11 +3088,7 @@
           <a:p>
             <a:r>
               <a:rPr lang="en-US" dirty="0" smtClean="0"/>
-              <a:t>Decoupled </a:t>
-            </a:r>
-            <a:r>
-              <a:rPr lang="en-US" dirty="0" smtClean="0"/>
-              <a:t>Software Pipelining</a:t>
+              <a:t>Decoupled Software Pipelining</a:t>
             </a:r>
             <a:endParaRPr lang="en-US" dirty="0"/>
           </a:p>
@@ -3183,7 +3179,7 @@
 </file>
 
 <file path=ppt/slides/slide2.xml><?xml version="1.0" encoding="utf-8"?>
-<p:sld xmlns:a="http://schemas.openxmlformats.org/drawingml/2006/main" xmlns:r="http://schemas.openxmlformats.org/officeDocument/2006/relationships" xmlns:p="http://schemas.openxmlformats.org/presentationml/2006/main">
+<p:sld xmlns:a="http://schemas.openxmlformats.org/drawingml/2006/main" xmlns:r="http://schemas.openxmlformats.org/officeDocument/2006/relationships" xmlns:mc="http://schemas.openxmlformats.org/markup-compatibility/2006" xmlns:mv="urn:schemas-microsoft-com:mac:vml" xmlns:p="http://schemas.openxmlformats.org/presentationml/2006/main" mc:Ignorable="mv" mc:PreserveAttributes="mv:*">
   <p:cSld>
     <p:spTree>
       <p:nvGrpSpPr>
@@ -3304,7 +3300,7 @@
 </file>
 
 <file path=ppt/slides/slide3.xml><?xml version="1.0" encoding="utf-8"?>
-<p:sld xmlns:a="http://schemas.openxmlformats.org/drawingml/2006/main" xmlns:r="http://schemas.openxmlformats.org/officeDocument/2006/relationships" xmlns:p="http://schemas.openxmlformats.org/presentationml/2006/main">
+<p:sld xmlns:a="http://schemas.openxmlformats.org/drawingml/2006/main" xmlns:r="http://schemas.openxmlformats.org/officeDocument/2006/relationships" xmlns:mc="http://schemas.openxmlformats.org/markup-compatibility/2006" xmlns:mv="urn:schemas-microsoft-com:mac:vml" xmlns:p="http://schemas.openxmlformats.org/presentationml/2006/main" mc:Ignorable="mv" mc:PreserveAttributes="mv:*">
   <p:cSld>
     <p:spTree>
       <p:nvGrpSpPr>
@@ -3391,11 +3387,7 @@
           <a:p>
             <a:r>
               <a:rPr lang="en-US" dirty="0" smtClean="0"/>
-              <a:t>Dependence types</a:t>
-            </a:r>
-            <a:r>
-              <a:rPr lang="en-US" dirty="0" smtClean="0"/>
-              <a:t>:</a:t>
+              <a:t>Dependence types:</a:t>
             </a:r>
           </a:p>
           <a:p>
@@ -3404,7 +3396,6 @@
               <a:rPr lang="en-US" dirty="0" smtClean="0"/>
               <a:t>Register</a:t>
             </a:r>
-            <a:endParaRPr lang="en-US" dirty="0" smtClean="0"/>
           </a:p>
           <a:p>
             <a:pPr lvl="1"/>
@@ -3426,7 +3417,6 @@
               <a:rPr lang="en-US" dirty="0" smtClean="0"/>
               <a:t>Anti</a:t>
             </a:r>
-            <a:endParaRPr lang="en-US" dirty="0" smtClean="0"/>
           </a:p>
           <a:p>
             <a:pPr lvl="2"/>
@@ -3441,7 +3431,6 @@
               <a:rPr lang="en-US" dirty="0" smtClean="0"/>
               <a:t>Control</a:t>
             </a:r>
-            <a:endParaRPr lang="en-US" dirty="0" smtClean="0"/>
           </a:p>
           <a:p>
             <a:pPr lvl="2"/>
@@ -3516,7 +3505,7 @@
 </file>
 
 <file path=ppt/slides/slide4.xml><?xml version="1.0" encoding="utf-8"?>
-<p:sld xmlns:a="http://schemas.openxmlformats.org/drawingml/2006/main" xmlns:r="http://schemas.openxmlformats.org/officeDocument/2006/relationships" xmlns:p="http://schemas.openxmlformats.org/presentationml/2006/main">
+<p:sld xmlns:a="http://schemas.openxmlformats.org/drawingml/2006/main" xmlns:r="http://schemas.openxmlformats.org/officeDocument/2006/relationships" xmlns:mc="http://schemas.openxmlformats.org/markup-compatibility/2006" xmlns:mv="urn:schemas-microsoft-com:mac:vml" xmlns:p="http://schemas.openxmlformats.org/presentationml/2006/main" mc:Ignorable="mv" mc:PreserveAttributes="mv:*">
   <p:cSld>
     <p:spTree>
       <p:nvGrpSpPr>
@@ -3576,11 +3565,7 @@
           <a:p>
             <a:r>
               <a:rPr lang="en-US" dirty="0" smtClean="0"/>
-              <a:t>Partition the DAG into separate </a:t>
-            </a:r>
-            <a:r>
-              <a:rPr lang="en-US" dirty="0" smtClean="0"/>
-              <a:t>threads</a:t>
+              <a:t>Partition the DAG into separate threads</a:t>
             </a:r>
           </a:p>
           <a:p>
@@ -3596,7 +3581,6 @@
               <a:rPr lang="en-US" dirty="0" smtClean="0"/>
               <a:t>NP-Complete</a:t>
             </a:r>
-            <a:endParaRPr lang="en-US" dirty="0" smtClean="0"/>
           </a:p>
           <a:p>
             <a:pPr lvl="1"/>
@@ -3615,33 +3599,21 @@
             <a:pPr lvl="1"/>
             <a:r>
               <a:rPr lang="en-US" dirty="0" smtClean="0"/>
-              <a:t>Copy </a:t>
-            </a:r>
-            <a:r>
-              <a:rPr lang="en-US" dirty="0" smtClean="0"/>
-              <a:t>instructions from the partition into separate, newly created functions</a:t>
+              <a:t>Copy instructions from the partition into separate, newly created functions</a:t>
             </a:r>
           </a:p>
           <a:p>
             <a:pPr lvl="1"/>
             <a:r>
               <a:rPr lang="en-US" dirty="0" smtClean="0"/>
-              <a:t>Initialize </a:t>
-            </a:r>
-            <a:r>
-              <a:rPr lang="en-US" dirty="0" smtClean="0"/>
-              <a:t>threads with new loop functions</a:t>
+              <a:t>Initialize threads with new loop functions</a:t>
             </a:r>
           </a:p>
           <a:p>
             <a:pPr lvl="1"/>
             <a:r>
               <a:rPr lang="en-US" dirty="0" smtClean="0"/>
-              <a:t>Main </a:t>
-            </a:r>
-            <a:r>
-              <a:rPr lang="en-US" dirty="0" smtClean="0"/>
-              <a:t>thread waits for auxiliary threads to finish</a:t>
+              <a:t>Main thread waits for auxiliary threads to finish</a:t>
             </a:r>
           </a:p>
           <a:p>
@@ -3667,7 +3639,7 @@
 </file>
 
 <file path=ppt/slides/slide5.xml><?xml version="1.0" encoding="utf-8"?>
-<p:sld xmlns:a="http://schemas.openxmlformats.org/drawingml/2006/main" xmlns:r="http://schemas.openxmlformats.org/officeDocument/2006/relationships" xmlns:p="http://schemas.openxmlformats.org/presentationml/2006/main">
+<p:sld xmlns:a="http://schemas.openxmlformats.org/drawingml/2006/main" xmlns:r="http://schemas.openxmlformats.org/officeDocument/2006/relationships" xmlns:mc="http://schemas.openxmlformats.org/markup-compatibility/2006" xmlns:mv="urn:schemas-microsoft-com:mac:vml" xmlns:p="http://schemas.openxmlformats.org/presentationml/2006/main" mc:Ignorable="mv" mc:PreserveAttributes="mv:*">
   <p:cSld>
     <p:spTree>
       <p:nvGrpSpPr>
@@ -3702,11 +3674,7 @@
           <a:p>
             <a:r>
               <a:rPr lang="en-US" dirty="0" smtClean="0"/>
-              <a:t>Synchronization </a:t>
-            </a:r>
-            <a:r>
-              <a:rPr lang="en-US" dirty="0" smtClean="0"/>
-              <a:t>and Runtime Support</a:t>
+              <a:t>Synchronization and Runtime Support</a:t>
             </a:r>
             <a:endParaRPr lang="en-US" dirty="0"/>
           </a:p>
@@ -3783,7 +3751,6 @@
               <a:rPr lang="en-US" dirty="0" smtClean="0"/>
               <a:t>)</a:t>
             </a:r>
-            <a:endParaRPr lang="en-US" dirty="0" smtClean="0"/>
           </a:p>
         </p:txBody>
       </p:sp>
@@ -3820,7 +3787,7 @@
 </file>
 
 <file path=ppt/slides/slide6.xml><?xml version="1.0" encoding="utf-8"?>
-<p:sld xmlns:a="http://schemas.openxmlformats.org/drawingml/2006/main" xmlns:r="http://schemas.openxmlformats.org/officeDocument/2006/relationships" xmlns:p="http://schemas.openxmlformats.org/presentationml/2006/main">
+<p:sld xmlns:a="http://schemas.openxmlformats.org/drawingml/2006/main" xmlns:r="http://schemas.openxmlformats.org/officeDocument/2006/relationships" xmlns:mc="http://schemas.openxmlformats.org/markup-compatibility/2006" xmlns:mv="urn:schemas-microsoft-com:mac:vml" xmlns:p="http://schemas.openxmlformats.org/presentationml/2006/main" mc:Ignorable="mv" mc:PreserveAttributes="mv:*">
   <p:cSld>
     <p:spTree>
       <p:nvGrpSpPr>
@@ -4984,7 +4951,7 @@
     </p:spTree>
     <p:extLst>
       <p:ext uri="{BB962C8B-B14F-4D97-AF65-F5344CB8AC3E}">
-        <p14:creationId xmlns:p14="http://schemas.microsoft.com/office/powerpoint/2010/main" val="3243864486"/>
+        <p14:creationId xmlns:p14="http://schemas.microsoft.com/office/powerpoint/2010/main" xmlns:p="http://schemas.openxmlformats.org/presentationml/2006/main" xmlns:r="http://schemas.openxmlformats.org/officeDocument/2006/relationships" xmlns:a="http://schemas.openxmlformats.org/drawingml/2006/main" xmlns="" val="3243864486"/>
       </p:ext>
     </p:extLst>
   </p:cSld>
@@ -4995,7 +4962,7 @@
 </file>
 
 <file path=ppt/slides/slide7.xml><?xml version="1.0" encoding="utf-8"?>
-<p:sld xmlns:a="http://schemas.openxmlformats.org/drawingml/2006/main" xmlns:r="http://schemas.openxmlformats.org/officeDocument/2006/relationships" xmlns:p="http://schemas.openxmlformats.org/presentationml/2006/main">
+<p:sld xmlns:a="http://schemas.openxmlformats.org/drawingml/2006/main" xmlns:r="http://schemas.openxmlformats.org/officeDocument/2006/relationships" xmlns:mc="http://schemas.openxmlformats.org/markup-compatibility/2006" xmlns:mv="urn:schemas-microsoft-com:mac:vml" xmlns:p="http://schemas.openxmlformats.org/presentationml/2006/main" mc:Ignorable="mv" mc:PreserveAttributes="mv:*">
   <p:cSld>
     <p:spTree>
       <p:nvGrpSpPr>
@@ -5057,7 +5024,15 @@
           <a:p>
             <a:r>
               <a:rPr lang="en-US" dirty="0" smtClean="0"/>
-              <a:t>On simple program that calculate sum from 1 to 10000, it is much slower than original one</a:t>
+              <a:t>On</a:t>
+            </a:r>
+            <a:r>
+              <a:rPr lang="en-US" dirty="0" smtClean="0"/>
+              <a:t> a simple </a:t>
+            </a:r>
+            <a:r>
+              <a:rPr lang="en-US" dirty="0" smtClean="0"/>
+              <a:t>program that calculate sum from 1 to 10000, it is much slower than original one</a:t>
             </a:r>
           </a:p>
           <a:p>
@@ -5074,7 +5049,23 @@
             </a:r>
             <a:r>
               <a:rPr lang="en-US" dirty="0" smtClean="0"/>
-              <a:t>un-optimized code give “unreal” opportunity </a:t>
+              <a:t>un-optimized code </a:t>
+            </a:r>
+            <a:r>
+              <a:rPr lang="en-US" dirty="0" smtClean="0"/>
+              <a:t>gives an </a:t>
+            </a:r>
+            <a:r>
+              <a:rPr lang="en-US" dirty="0" smtClean="0"/>
+              <a:t>“</a:t>
+            </a:r>
+            <a:r>
+              <a:rPr lang="en-US" dirty="0" smtClean="0"/>
+              <a:t>unrealistic” </a:t>
+            </a:r>
+            <a:r>
+              <a:rPr lang="en-US" dirty="0" smtClean="0"/>
+              <a:t>opportunity </a:t>
             </a:r>
             <a:r>
               <a:rPr lang="en-US" dirty="0"/>
@@ -5099,7 +5090,7 @@
 </file>
 
 <file path=ppt/slides/slide8.xml><?xml version="1.0" encoding="utf-8"?>
-<p:sld xmlns:a="http://schemas.openxmlformats.org/drawingml/2006/main" xmlns:r="http://schemas.openxmlformats.org/officeDocument/2006/relationships" xmlns:p="http://schemas.openxmlformats.org/presentationml/2006/main">
+<p:sld xmlns:a="http://schemas.openxmlformats.org/drawingml/2006/main" xmlns:r="http://schemas.openxmlformats.org/officeDocument/2006/relationships" xmlns:mc="http://schemas.openxmlformats.org/markup-compatibility/2006" xmlns:mv="urn:schemas-microsoft-com:mac:vml" xmlns:p="http://schemas.openxmlformats.org/presentationml/2006/main" mc:Ignorable="mv" mc:PreserveAttributes="mv:*">
   <p:cSld>
     <p:spTree>
       <p:nvGrpSpPr>
@@ -5167,7 +5158,6 @@
               <a:rPr lang="en-US" dirty="0" smtClean="0"/>
               <a:t>benchmarks</a:t>
             </a:r>
-            <a:endParaRPr lang="en-US" dirty="0" smtClean="0"/>
           </a:p>
           <a:p>
             <a:r>
@@ -5180,7 +5170,6 @@
               <a:rPr lang="en-US" dirty="0" smtClean="0"/>
               <a:t>Formulation for synchronization cost based thread partition model, and better heuristic</a:t>
             </a:r>
-            <a:endParaRPr lang="en-US" dirty="0" smtClean="0"/>
           </a:p>
           <a:p>
             <a:r>
